--- a/WalkingDynamicSystem/slides/ReproduceFootDrop.pptx
+++ b/WalkingDynamicSystem/slides/ReproduceFootDrop.pptx
@@ -14,6 +14,7 @@
     <p:sldId id="264" r:id="rId8"/>
     <p:sldId id="263" r:id="rId9"/>
     <p:sldId id="265" r:id="rId10"/>
+    <p:sldId id="266" r:id="rId11"/>
   </p:sldIdLst>
   <p:sldSz cx="12192000" cy="6858000"/>
   <p:notesSz cx="6858000" cy="9144000"/>
@@ -112,13 +113,18 @@
       </a:defRPr>
     </a:lvl9pPr>
   </p:defaultTextStyle>
+  <p:extLst>
+    <p:ext uri="{EFAFB233-063F-42B5-8137-9DF3F51BA10A}">
+      <p15:sldGuideLst xmlns:p15="http://schemas.microsoft.com/office/powerpoint/2012/main"/>
+    </p:ext>
+  </p:extLst>
 </p:presentation>
 </file>
 
 <file path=ppt/revisionInfo.xml><?xml version="1.0" encoding="utf-8"?>
 <p1510:revInfo xmlns:a="http://schemas.openxmlformats.org/drawingml/2006/main" xmlns:r="http://schemas.openxmlformats.org/officeDocument/2006/relationships" xmlns:p1510="http://schemas.microsoft.com/office/powerpoint/2015/10/main">
   <p1510:revLst>
-    <p1510:client id="{1A706300-1DF4-4548-95EE-51B4205DDB97}" v="271" dt="2019-02-15T20:10:10.416"/>
+    <p1510:client id="{1A706300-1DF4-4548-95EE-51B4205DDB97}" v="313" dt="2019-02-27T21:19:28.290"/>
   </p1510:revLst>
 </p1510:revInfo>
 </file>
@@ -128,7 +134,7 @@
   <pc:docChgLst>
     <pc:chgData name="Sichao Zhang" userId="baca463c2301c347" providerId="LiveId" clId="{1A706300-1DF4-4548-95EE-51B4205DDB97}"/>
     <pc:docChg chg="undo custSel addSld delSld modSld sldOrd">
-      <pc:chgData name="Sichao Zhang" userId="baca463c2301c347" providerId="LiveId" clId="{1A706300-1DF4-4548-95EE-51B4205DDB97}" dt="2019-02-15T20:10:10.416" v="1838" actId="207"/>
+      <pc:chgData name="Sichao Zhang" userId="baca463c2301c347" providerId="LiveId" clId="{1A706300-1DF4-4548-95EE-51B4205DDB97}" dt="2019-02-27T21:20:07.474" v="1896" actId="1076"/>
       <pc:docMkLst>
         <pc:docMk/>
       </pc:docMkLst>
@@ -601,29 +607,6 @@
           </ac:cxnSpMkLst>
         </pc:cxnChg>
       </pc:sldChg>
-      <pc:sldChg chg="delSp add del">
-        <pc:chgData name="Sichao Zhang" userId="baca463c2301c347" providerId="LiveId" clId="{1A706300-1DF4-4548-95EE-51B4205DDB97}" dt="2019-02-15T17:08:25.927" v="604" actId="2696"/>
-        <pc:sldMkLst>
-          <pc:docMk/>
-          <pc:sldMk cId="1528062061" sldId="259"/>
-        </pc:sldMkLst>
-        <pc:spChg chg="del">
-          <ac:chgData name="Sichao Zhang" userId="baca463c2301c347" providerId="LiveId" clId="{1A706300-1DF4-4548-95EE-51B4205DDB97}" dt="2019-02-15T17:08:09.843" v="602" actId="478"/>
-          <ac:spMkLst>
-            <pc:docMk/>
-            <pc:sldMk cId="1528062061" sldId="259"/>
-            <ac:spMk id="2" creationId="{1D1CC2CB-BA9C-4F40-AE17-D85BD7150BD7}"/>
-          </ac:spMkLst>
-        </pc:spChg>
-        <pc:spChg chg="del">
-          <ac:chgData name="Sichao Zhang" userId="baca463c2301c347" providerId="LiveId" clId="{1A706300-1DF4-4548-95EE-51B4205DDB97}" dt="2019-02-15T17:08:09.843" v="602" actId="478"/>
-          <ac:spMkLst>
-            <pc:docMk/>
-            <pc:sldMk cId="1528062061" sldId="259"/>
-            <ac:spMk id="3" creationId="{F7C3BA44-5DE9-4EDC-870A-298A4442AF6E}"/>
-          </ac:spMkLst>
-        </pc:spChg>
-      </pc:sldChg>
       <pc:sldChg chg="addSp delSp modSp add">
         <pc:chgData name="Sichao Zhang" userId="baca463c2301c347" providerId="LiveId" clId="{1A706300-1DF4-4548-95EE-51B4205DDB97}" dt="2019-02-15T17:30:52.679" v="1207" actId="207"/>
         <pc:sldMkLst>
@@ -1037,13 +1020,6 @@
             <ac:cxnSpMk id="30" creationId="{C96D6B32-12DD-4882-B46B-A5DD7F99D61E}"/>
           </ac:cxnSpMkLst>
         </pc:cxnChg>
-      </pc:sldChg>
-      <pc:sldChg chg="add del">
-        <pc:chgData name="Sichao Zhang" userId="baca463c2301c347" providerId="LiveId" clId="{1A706300-1DF4-4548-95EE-51B4205DDB97}" dt="2019-02-15T17:08:39.337" v="608"/>
-        <pc:sldMkLst>
-          <pc:docMk/>
-          <pc:sldMk cId="1905929272" sldId="261"/>
-        </pc:sldMkLst>
       </pc:sldChg>
       <pc:sldChg chg="addSp delSp modSp add">
         <pc:chgData name="Sichao Zhang" userId="baca463c2301c347" providerId="LiveId" clId="{1A706300-1DF4-4548-95EE-51B4205DDB97}" dt="2019-02-15T19:24:55.791" v="1503" actId="1076"/>
@@ -1403,7 +1379,7 @@
         </pc:cxnChg>
       </pc:sldChg>
       <pc:sldChg chg="addSp delSp modSp add">
-        <pc:chgData name="Sichao Zhang" userId="baca463c2301c347" providerId="LiveId" clId="{1A706300-1DF4-4548-95EE-51B4205DDB97}" dt="2019-02-15T20:10:10.416" v="1838" actId="207"/>
+        <pc:chgData name="Sichao Zhang" userId="baca463c2301c347" providerId="LiveId" clId="{1A706300-1DF4-4548-95EE-51B4205DDB97}" dt="2019-02-27T21:18:50.829" v="1878" actId="478"/>
         <pc:sldMkLst>
           <pc:docMk/>
           <pc:sldMk cId="411172274" sldId="265"/>
@@ -1536,48 +1512,48 @@
             <ac:spMk id="17" creationId="{84BF15E3-AD53-429D-ADFA-9DA71FA25A15}"/>
           </ac:spMkLst>
         </pc:spChg>
-        <pc:spChg chg="add mod">
-          <ac:chgData name="Sichao Zhang" userId="baca463c2301c347" providerId="LiveId" clId="{1A706300-1DF4-4548-95EE-51B4205DDB97}" dt="2019-02-15T20:09:46.592" v="1830" actId="1076"/>
+        <pc:spChg chg="add del mod">
+          <ac:chgData name="Sichao Zhang" userId="baca463c2301c347" providerId="LiveId" clId="{1A706300-1DF4-4548-95EE-51B4205DDB97}" dt="2019-02-27T21:18:50.829" v="1878" actId="478"/>
           <ac:spMkLst>
             <pc:docMk/>
             <pc:sldMk cId="411172274" sldId="265"/>
             <ac:spMk id="18" creationId="{8AF0692F-35FA-4462-B29D-5201F5743EC3}"/>
           </ac:spMkLst>
         </pc:spChg>
-        <pc:spChg chg="add mod">
-          <ac:chgData name="Sichao Zhang" userId="baca463c2301c347" providerId="LiveId" clId="{1A706300-1DF4-4548-95EE-51B4205DDB97}" dt="2019-02-15T20:09:46.592" v="1830" actId="1076"/>
+        <pc:spChg chg="add del mod">
+          <ac:chgData name="Sichao Zhang" userId="baca463c2301c347" providerId="LiveId" clId="{1A706300-1DF4-4548-95EE-51B4205DDB97}" dt="2019-02-27T21:18:50.829" v="1878" actId="478"/>
           <ac:spMkLst>
             <pc:docMk/>
             <pc:sldMk cId="411172274" sldId="265"/>
             <ac:spMk id="19" creationId="{BB712C84-7BCB-410F-9202-3D44983F46CD}"/>
           </ac:spMkLst>
         </pc:spChg>
-        <pc:spChg chg="add mod">
-          <ac:chgData name="Sichao Zhang" userId="baca463c2301c347" providerId="LiveId" clId="{1A706300-1DF4-4548-95EE-51B4205DDB97}" dt="2019-02-15T20:09:46.592" v="1830" actId="1076"/>
+        <pc:spChg chg="add del mod">
+          <ac:chgData name="Sichao Zhang" userId="baca463c2301c347" providerId="LiveId" clId="{1A706300-1DF4-4548-95EE-51B4205DDB97}" dt="2019-02-27T21:18:50.829" v="1878" actId="478"/>
           <ac:spMkLst>
             <pc:docMk/>
             <pc:sldMk cId="411172274" sldId="265"/>
             <ac:spMk id="20" creationId="{F455E91F-4584-435F-8D5B-987CC825A18A}"/>
           </ac:spMkLst>
         </pc:spChg>
-        <pc:spChg chg="add mod">
-          <ac:chgData name="Sichao Zhang" userId="baca463c2301c347" providerId="LiveId" clId="{1A706300-1DF4-4548-95EE-51B4205DDB97}" dt="2019-02-15T20:09:46.592" v="1830" actId="1076"/>
+        <pc:spChg chg="add del mod">
+          <ac:chgData name="Sichao Zhang" userId="baca463c2301c347" providerId="LiveId" clId="{1A706300-1DF4-4548-95EE-51B4205DDB97}" dt="2019-02-27T21:18:50.829" v="1878" actId="478"/>
           <ac:spMkLst>
             <pc:docMk/>
             <pc:sldMk cId="411172274" sldId="265"/>
             <ac:spMk id="21" creationId="{0D8D4DD5-CD4C-4A88-B225-E2C32E49BF67}"/>
           </ac:spMkLst>
         </pc:spChg>
-        <pc:spChg chg="add mod">
-          <ac:chgData name="Sichao Zhang" userId="baca463c2301c347" providerId="LiveId" clId="{1A706300-1DF4-4548-95EE-51B4205DDB97}" dt="2019-02-15T20:09:46.592" v="1830" actId="1076"/>
+        <pc:spChg chg="add del mod">
+          <ac:chgData name="Sichao Zhang" userId="baca463c2301c347" providerId="LiveId" clId="{1A706300-1DF4-4548-95EE-51B4205DDB97}" dt="2019-02-27T21:18:50.829" v="1878" actId="478"/>
           <ac:spMkLst>
             <pc:docMk/>
             <pc:sldMk cId="411172274" sldId="265"/>
             <ac:spMk id="22" creationId="{23B83191-C519-47D8-BD9B-DD1CC18DB361}"/>
           </ac:spMkLst>
         </pc:spChg>
-        <pc:spChg chg="add mod">
-          <ac:chgData name="Sichao Zhang" userId="baca463c2301c347" providerId="LiveId" clId="{1A706300-1DF4-4548-95EE-51B4205DDB97}" dt="2019-02-15T20:09:46.592" v="1830" actId="1076"/>
+        <pc:spChg chg="add del mod">
+          <ac:chgData name="Sichao Zhang" userId="baca463c2301c347" providerId="LiveId" clId="{1A706300-1DF4-4548-95EE-51B4205DDB97}" dt="2019-02-27T21:18:50.829" v="1878" actId="478"/>
           <ac:spMkLst>
             <pc:docMk/>
             <pc:sldMk cId="411172274" sldId="265"/>
@@ -1632,8 +1608,8 @@
             <ac:spMk id="29" creationId="{D5A4692D-CB14-42D4-B95E-500154C00D6A}"/>
           </ac:spMkLst>
         </pc:spChg>
-        <pc:spChg chg="add mod">
-          <ac:chgData name="Sichao Zhang" userId="baca463c2301c347" providerId="LiveId" clId="{1A706300-1DF4-4548-95EE-51B4205DDB97}" dt="2019-02-15T20:09:46.592" v="1830" actId="1076"/>
+        <pc:spChg chg="add del mod">
+          <ac:chgData name="Sichao Zhang" userId="baca463c2301c347" providerId="LiveId" clId="{1A706300-1DF4-4548-95EE-51B4205DDB97}" dt="2019-02-27T21:18:50.829" v="1878" actId="478"/>
           <ac:spMkLst>
             <pc:docMk/>
             <pc:sldMk cId="411172274" sldId="265"/>
@@ -1661,6 +1637,189 @@
           <ac:spMkLst>
             <pc:docMk/>
             <pc:sldMk cId="411172274" sldId="265"/>
+            <ac:spMk id="33" creationId="{BE8F2445-D954-4C7C-BA1A-CE721B78B72C}"/>
+          </ac:spMkLst>
+        </pc:spChg>
+      </pc:sldChg>
+      <pc:sldChg chg="delSp modSp add">
+        <pc:chgData name="Sichao Zhang" userId="baca463c2301c347" providerId="LiveId" clId="{1A706300-1DF4-4548-95EE-51B4205DDB97}" dt="2019-02-27T21:20:07.474" v="1896" actId="1076"/>
+        <pc:sldMkLst>
+          <pc:docMk/>
+          <pc:sldMk cId="3674385122" sldId="266"/>
+        </pc:sldMkLst>
+        <pc:spChg chg="mod">
+          <ac:chgData name="Sichao Zhang" userId="baca463c2301c347" providerId="LiveId" clId="{1A706300-1DF4-4548-95EE-51B4205DDB97}" dt="2019-02-27T21:13:49.071" v="1841"/>
+          <ac:spMkLst>
+            <pc:docMk/>
+            <pc:sldMk cId="3674385122" sldId="266"/>
+            <ac:spMk id="4" creationId="{B2EDC200-FD4B-4334-9045-B498D435750A}"/>
+          </ac:spMkLst>
+        </pc:spChg>
+        <pc:spChg chg="mod">
+          <ac:chgData name="Sichao Zhang" userId="baca463c2301c347" providerId="LiveId" clId="{1A706300-1DF4-4548-95EE-51B4205DDB97}" dt="2019-02-27T21:14:50.176" v="1859" actId="20577"/>
+          <ac:spMkLst>
+            <pc:docMk/>
+            <pc:sldMk cId="3674385122" sldId="266"/>
+            <ac:spMk id="5" creationId="{1C78E709-5155-4AB5-A589-8B3474F50670}"/>
+          </ac:spMkLst>
+        </pc:spChg>
+        <pc:spChg chg="mod">
+          <ac:chgData name="Sichao Zhang" userId="baca463c2301c347" providerId="LiveId" clId="{1A706300-1DF4-4548-95EE-51B4205DDB97}" dt="2019-02-27T21:16:48.617" v="1862" actId="20577"/>
+          <ac:spMkLst>
+            <pc:docMk/>
+            <pc:sldMk cId="3674385122" sldId="266"/>
+            <ac:spMk id="6" creationId="{C194D1CB-C922-4043-8625-58C1303B0091}"/>
+          </ac:spMkLst>
+        </pc:spChg>
+        <pc:spChg chg="mod">
+          <ac:chgData name="Sichao Zhang" userId="baca463c2301c347" providerId="LiveId" clId="{1A706300-1DF4-4548-95EE-51B4205DDB97}" dt="2019-02-27T21:17:04.112" v="1865" actId="20577"/>
+          <ac:spMkLst>
+            <pc:docMk/>
+            <pc:sldMk cId="3674385122" sldId="266"/>
+            <ac:spMk id="7" creationId="{05720516-5EFE-48FD-AEE5-3587D3BD26CE}"/>
+          </ac:spMkLst>
+        </pc:spChg>
+        <pc:spChg chg="mod">
+          <ac:chgData name="Sichao Zhang" userId="baca463c2301c347" providerId="LiveId" clId="{1A706300-1DF4-4548-95EE-51B4205DDB97}" dt="2019-02-27T21:20:07.474" v="1896" actId="1076"/>
+          <ac:spMkLst>
+            <pc:docMk/>
+            <pc:sldMk cId="3674385122" sldId="266"/>
+            <ac:spMk id="8" creationId="{EA4DACCA-5AF2-4ED7-B207-31354D68DCC0}"/>
+          </ac:spMkLst>
+        </pc:spChg>
+        <pc:spChg chg="mod">
+          <ac:chgData name="Sichao Zhang" userId="baca463c2301c347" providerId="LiveId" clId="{1A706300-1DF4-4548-95EE-51B4205DDB97}" dt="2019-02-27T21:17:25.845" v="1870" actId="20577"/>
+          <ac:spMkLst>
+            <pc:docMk/>
+            <pc:sldMk cId="3674385122" sldId="266"/>
+            <ac:spMk id="9" creationId="{8D2359C6-C163-472E-9749-71993C72EDE9}"/>
+          </ac:spMkLst>
+        </pc:spChg>
+        <pc:spChg chg="mod">
+          <ac:chgData name="Sichao Zhang" userId="baca463c2301c347" providerId="LiveId" clId="{1A706300-1DF4-4548-95EE-51B4205DDB97}" dt="2019-02-27T21:18:02.364" v="1873" actId="20577"/>
+          <ac:spMkLst>
+            <pc:docMk/>
+            <pc:sldMk cId="3674385122" sldId="266"/>
+            <ac:spMk id="10" creationId="{3DFB6FB1-FB8C-4CE9-9732-D5F64720E1F2}"/>
+          </ac:spMkLst>
+        </pc:spChg>
+        <pc:spChg chg="mod">
+          <ac:chgData name="Sichao Zhang" userId="baca463c2301c347" providerId="LiveId" clId="{1A706300-1DF4-4548-95EE-51B4205DDB97}" dt="2019-02-27T21:18:17.933" v="1875" actId="20577"/>
+          <ac:spMkLst>
+            <pc:docMk/>
+            <pc:sldMk cId="3674385122" sldId="266"/>
+            <ac:spMk id="11" creationId="{16A8CACD-06E0-453F-B3A0-4A9B5D2175E6}"/>
+          </ac:spMkLst>
+        </pc:spChg>
+        <pc:spChg chg="mod">
+          <ac:chgData name="Sichao Zhang" userId="baca463c2301c347" providerId="LiveId" clId="{1A706300-1DF4-4548-95EE-51B4205DDB97}" dt="2019-02-27T21:19:45.789" v="1889" actId="1076"/>
+          <ac:spMkLst>
+            <pc:docMk/>
+            <pc:sldMk cId="3674385122" sldId="266"/>
+            <ac:spMk id="13" creationId="{0E0CC891-8D32-42DF-BA1E-3A0FA813601F}"/>
+          </ac:spMkLst>
+        </pc:spChg>
+        <pc:spChg chg="mod">
+          <ac:chgData name="Sichao Zhang" userId="baca463c2301c347" providerId="LiveId" clId="{1A706300-1DF4-4548-95EE-51B4205DDB97}" dt="2019-02-27T21:20:07.474" v="1896" actId="1076"/>
+          <ac:spMkLst>
+            <pc:docMk/>
+            <pc:sldMk cId="3674385122" sldId="266"/>
+            <ac:spMk id="14" creationId="{E05F1766-1FC2-4454-A65E-39D4C18D514F}"/>
+          </ac:spMkLst>
+        </pc:spChg>
+        <pc:spChg chg="mod">
+          <ac:chgData name="Sichao Zhang" userId="baca463c2301c347" providerId="LiveId" clId="{1A706300-1DF4-4548-95EE-51B4205DDB97}" dt="2019-02-27T21:19:51.782" v="1892" actId="1076"/>
+          <ac:spMkLst>
+            <pc:docMk/>
+            <pc:sldMk cId="3674385122" sldId="266"/>
+            <ac:spMk id="15" creationId="{D1BCB830-EE2F-4571-8B26-3C125E92CF43}"/>
+          </ac:spMkLst>
+        </pc:spChg>
+        <pc:spChg chg="mod">
+          <ac:chgData name="Sichao Zhang" userId="baca463c2301c347" providerId="LiveId" clId="{1A706300-1DF4-4548-95EE-51B4205DDB97}" dt="2019-02-27T21:19:54.851" v="1893" actId="1076"/>
+          <ac:spMkLst>
+            <pc:docMk/>
+            <pc:sldMk cId="3674385122" sldId="266"/>
+            <ac:spMk id="16" creationId="{A3D72D43-84AB-4792-BFA5-BC3E690001C1}"/>
+          </ac:spMkLst>
+        </pc:spChg>
+        <pc:spChg chg="mod">
+          <ac:chgData name="Sichao Zhang" userId="baca463c2301c347" providerId="LiveId" clId="{1A706300-1DF4-4548-95EE-51B4205DDB97}" dt="2019-02-27T21:19:20.942" v="1882" actId="207"/>
+          <ac:spMkLst>
+            <pc:docMk/>
+            <pc:sldMk cId="3674385122" sldId="266"/>
+            <ac:spMk id="17" creationId="{84BF15E3-AD53-429D-ADFA-9DA71FA25A15}"/>
+          </ac:spMkLst>
+        </pc:spChg>
+        <pc:spChg chg="del">
+          <ac:chgData name="Sichao Zhang" userId="baca463c2301c347" providerId="LiveId" clId="{1A706300-1DF4-4548-95EE-51B4205DDB97}" dt="2019-02-27T21:18:35.322" v="1876" actId="478"/>
+          <ac:spMkLst>
+            <pc:docMk/>
+            <pc:sldMk cId="3674385122" sldId="266"/>
+            <ac:spMk id="18" creationId="{8AF0692F-35FA-4462-B29D-5201F5743EC3}"/>
+          </ac:spMkLst>
+        </pc:spChg>
+        <pc:spChg chg="del">
+          <ac:chgData name="Sichao Zhang" userId="baca463c2301c347" providerId="LiveId" clId="{1A706300-1DF4-4548-95EE-51B4205DDB97}" dt="2019-02-27T21:18:35.322" v="1876" actId="478"/>
+          <ac:spMkLst>
+            <pc:docMk/>
+            <pc:sldMk cId="3674385122" sldId="266"/>
+            <ac:spMk id="19" creationId="{BB712C84-7BCB-410F-9202-3D44983F46CD}"/>
+          </ac:spMkLst>
+        </pc:spChg>
+        <pc:spChg chg="del">
+          <ac:chgData name="Sichao Zhang" userId="baca463c2301c347" providerId="LiveId" clId="{1A706300-1DF4-4548-95EE-51B4205DDB97}" dt="2019-02-27T21:18:35.322" v="1876" actId="478"/>
+          <ac:spMkLst>
+            <pc:docMk/>
+            <pc:sldMk cId="3674385122" sldId="266"/>
+            <ac:spMk id="20" creationId="{F455E91F-4584-435F-8D5B-987CC825A18A}"/>
+          </ac:spMkLst>
+        </pc:spChg>
+        <pc:spChg chg="del">
+          <ac:chgData name="Sichao Zhang" userId="baca463c2301c347" providerId="LiveId" clId="{1A706300-1DF4-4548-95EE-51B4205DDB97}" dt="2019-02-27T21:18:35.322" v="1876" actId="478"/>
+          <ac:spMkLst>
+            <pc:docMk/>
+            <pc:sldMk cId="3674385122" sldId="266"/>
+            <ac:spMk id="21" creationId="{0D8D4DD5-CD4C-4A88-B225-E2C32E49BF67}"/>
+          </ac:spMkLst>
+        </pc:spChg>
+        <pc:spChg chg="del">
+          <ac:chgData name="Sichao Zhang" userId="baca463c2301c347" providerId="LiveId" clId="{1A706300-1DF4-4548-95EE-51B4205DDB97}" dt="2019-02-27T21:18:35.322" v="1876" actId="478"/>
+          <ac:spMkLst>
+            <pc:docMk/>
+            <pc:sldMk cId="3674385122" sldId="266"/>
+            <ac:spMk id="22" creationId="{23B83191-C519-47D8-BD9B-DD1CC18DB361}"/>
+          </ac:spMkLst>
+        </pc:spChg>
+        <pc:spChg chg="del">
+          <ac:chgData name="Sichao Zhang" userId="baca463c2301c347" providerId="LiveId" clId="{1A706300-1DF4-4548-95EE-51B4205DDB97}" dt="2019-02-27T21:18:35.322" v="1876" actId="478"/>
+          <ac:spMkLst>
+            <pc:docMk/>
+            <pc:sldMk cId="3674385122" sldId="266"/>
+            <ac:spMk id="23" creationId="{6C9D5492-3591-4CA3-99FA-8FFBD7FC7162}"/>
+          </ac:spMkLst>
+        </pc:spChg>
+        <pc:spChg chg="del">
+          <ac:chgData name="Sichao Zhang" userId="baca463c2301c347" providerId="LiveId" clId="{1A706300-1DF4-4548-95EE-51B4205DDB97}" dt="2019-02-27T21:18:35.322" v="1876" actId="478"/>
+          <ac:spMkLst>
+            <pc:docMk/>
+            <pc:sldMk cId="3674385122" sldId="266"/>
+            <ac:spMk id="30" creationId="{40C6F975-A7F1-4763-B304-1886362377B6}"/>
+          </ac:spMkLst>
+        </pc:spChg>
+        <pc:spChg chg="mod">
+          <ac:chgData name="Sichao Zhang" userId="baca463c2301c347" providerId="LiveId" clId="{1A706300-1DF4-4548-95EE-51B4205DDB97}" dt="2019-02-27T21:19:31.332" v="1885" actId="1076"/>
+          <ac:spMkLst>
+            <pc:docMk/>
+            <pc:sldMk cId="3674385122" sldId="266"/>
+            <ac:spMk id="32" creationId="{5E5050E5-3E63-4C5B-8E1D-100E0AD1FCA0}"/>
+          </ac:spMkLst>
+        </pc:spChg>
+        <pc:spChg chg="mod">
+          <ac:chgData name="Sichao Zhang" userId="baca463c2301c347" providerId="LiveId" clId="{1A706300-1DF4-4548-95EE-51B4205DDB97}" dt="2019-02-27T21:19:24.790" v="1883" actId="207"/>
+          <ac:spMkLst>
+            <pc:docMk/>
+            <pc:sldMk cId="3674385122" sldId="266"/>
             <ac:spMk id="33" creationId="{BE8F2445-D954-4C7C-BA1A-CE721B78B72C}"/>
           </ac:spMkLst>
         </pc:spChg>
@@ -1817,7 +1976,7 @@
           <a:p>
             <a:fld id="{DE531B88-4A52-49FF-B6CD-3B987FD473D1}" type="datetimeFigureOut">
               <a:rPr lang="en-US" smtClean="0"/>
-              <a:t>2/15/2019</a:t>
+              <a:t>2/27/2019</a:t>
             </a:fld>
             <a:endParaRPr lang="en-US"/>
           </a:p>
@@ -2015,7 +2174,7 @@
           <a:p>
             <a:fld id="{DE531B88-4A52-49FF-B6CD-3B987FD473D1}" type="datetimeFigureOut">
               <a:rPr lang="en-US" smtClean="0"/>
-              <a:t>2/15/2019</a:t>
+              <a:t>2/27/2019</a:t>
             </a:fld>
             <a:endParaRPr lang="en-US"/>
           </a:p>
@@ -2223,7 +2382,7 @@
           <a:p>
             <a:fld id="{DE531B88-4A52-49FF-B6CD-3B987FD473D1}" type="datetimeFigureOut">
               <a:rPr lang="en-US" smtClean="0"/>
-              <a:t>2/15/2019</a:t>
+              <a:t>2/27/2019</a:t>
             </a:fld>
             <a:endParaRPr lang="en-US"/>
           </a:p>
@@ -2421,7 +2580,7 @@
           <a:p>
             <a:fld id="{DE531B88-4A52-49FF-B6CD-3B987FD473D1}" type="datetimeFigureOut">
               <a:rPr lang="en-US" smtClean="0"/>
-              <a:t>2/15/2019</a:t>
+              <a:t>2/27/2019</a:t>
             </a:fld>
             <a:endParaRPr lang="en-US"/>
           </a:p>
@@ -2696,7 +2855,7 @@
           <a:p>
             <a:fld id="{DE531B88-4A52-49FF-B6CD-3B987FD473D1}" type="datetimeFigureOut">
               <a:rPr lang="en-US" smtClean="0"/>
-              <a:t>2/15/2019</a:t>
+              <a:t>2/27/2019</a:t>
             </a:fld>
             <a:endParaRPr lang="en-US"/>
           </a:p>
@@ -2961,7 +3120,7 @@
           <a:p>
             <a:fld id="{DE531B88-4A52-49FF-B6CD-3B987FD473D1}" type="datetimeFigureOut">
               <a:rPr lang="en-US" smtClean="0"/>
-              <a:t>2/15/2019</a:t>
+              <a:t>2/27/2019</a:t>
             </a:fld>
             <a:endParaRPr lang="en-US"/>
           </a:p>
@@ -3373,7 +3532,7 @@
           <a:p>
             <a:fld id="{DE531B88-4A52-49FF-B6CD-3B987FD473D1}" type="datetimeFigureOut">
               <a:rPr lang="en-US" smtClean="0"/>
-              <a:t>2/15/2019</a:t>
+              <a:t>2/27/2019</a:t>
             </a:fld>
             <a:endParaRPr lang="en-US"/>
           </a:p>
@@ -3514,7 +3673,7 @@
           <a:p>
             <a:fld id="{DE531B88-4A52-49FF-B6CD-3B987FD473D1}" type="datetimeFigureOut">
               <a:rPr lang="en-US" smtClean="0"/>
-              <a:t>2/15/2019</a:t>
+              <a:t>2/27/2019</a:t>
             </a:fld>
             <a:endParaRPr lang="en-US"/>
           </a:p>
@@ -3627,7 +3786,7 @@
           <a:p>
             <a:fld id="{DE531B88-4A52-49FF-B6CD-3B987FD473D1}" type="datetimeFigureOut">
               <a:rPr lang="en-US" smtClean="0"/>
-              <a:t>2/15/2019</a:t>
+              <a:t>2/27/2019</a:t>
             </a:fld>
             <a:endParaRPr lang="en-US"/>
           </a:p>
@@ -3938,7 +4097,7 @@
           <a:p>
             <a:fld id="{DE531B88-4A52-49FF-B6CD-3B987FD473D1}" type="datetimeFigureOut">
               <a:rPr lang="en-US" smtClean="0"/>
-              <a:t>2/15/2019</a:t>
+              <a:t>2/27/2019</a:t>
             </a:fld>
             <a:endParaRPr lang="en-US"/>
           </a:p>
@@ -4226,7 +4385,7 @@
           <a:p>
             <a:fld id="{DE531B88-4A52-49FF-B6CD-3B987FD473D1}" type="datetimeFigureOut">
               <a:rPr lang="en-US" smtClean="0"/>
-              <a:t>2/15/2019</a:t>
+              <a:t>2/27/2019</a:t>
             </a:fld>
             <a:endParaRPr lang="en-US"/>
           </a:p>
@@ -4467,7 +4626,7 @@
           <a:p>
             <a:fld id="{DE531B88-4A52-49FF-B6CD-3B987FD473D1}" type="datetimeFigureOut">
               <a:rPr lang="en-US" smtClean="0"/>
-              <a:t>2/15/2019</a:t>
+              <a:t>2/27/2019</a:t>
             </a:fld>
             <a:endParaRPr lang="en-US"/>
           </a:p>
@@ -5397,6 +5556,2749 @@
 </p:sld>
 </file>
 
+<file path=ppt/slides/slide10.xml><?xml version="1.0" encoding="utf-8"?>
+<p:sld xmlns:a="http://schemas.openxmlformats.org/drawingml/2006/main" xmlns:r="http://schemas.openxmlformats.org/officeDocument/2006/relationships" xmlns:p="http://schemas.openxmlformats.org/presentationml/2006/main">
+  <p:cSld>
+    <p:spTree>
+      <p:nvGrpSpPr>
+        <p:cNvPr id="1" name=""/>
+        <p:cNvGrpSpPr/>
+        <p:nvPr/>
+      </p:nvGrpSpPr>
+      <p:grpSpPr>
+        <a:xfrm>
+          <a:off x="0" y="0"/>
+          <a:ext cx="0" cy="0"/>
+          <a:chOff x="0" y="0"/>
+          <a:chExt cx="0" cy="0"/>
+        </a:xfrm>
+      </p:grpSpPr>
+      <p:sp>
+        <p:nvSpPr>
+          <p:cNvPr id="4" name="TextBox 3">
+            <a:extLst>
+              <a:ext uri="{FF2B5EF4-FFF2-40B4-BE49-F238E27FC236}">
+                <a16:creationId xmlns:a16="http://schemas.microsoft.com/office/drawing/2014/main" id="{B2EDC200-FD4B-4334-9045-B498D435750A}"/>
+              </a:ext>
+            </a:extLst>
+          </p:cNvPr>
+          <p:cNvSpPr txBox="1"/>
+          <p:nvPr/>
+        </p:nvSpPr>
+        <p:spPr>
+          <a:xfrm>
+            <a:off x="956281" y="421375"/>
+            <a:ext cx="4683682" cy="369332"/>
+          </a:xfrm>
+          <a:prstGeom prst="rect">
+            <a:avLst/>
+          </a:prstGeom>
+          <a:noFill/>
+        </p:spPr>
+        <p:txBody>
+          <a:bodyPr wrap="square" rtlCol="0">
+            <a:spAutoFit/>
+          </a:bodyPr>
+          <a:lstStyle/>
+          <a:p>
+            <a:r>
+              <a:rPr lang="en-US" altLang="zh-CN" b="1" dirty="0"/>
+              <a:t>Tm(17)</a:t>
+            </a:r>
+            <a:endParaRPr lang="en-US" b="1" dirty="0"/>
+          </a:p>
+        </p:txBody>
+      </p:sp>
+      <mc:AlternateContent xmlns:mc="http://schemas.openxmlformats.org/markup-compatibility/2006">
+        <mc:Choice xmlns:a14="http://schemas.microsoft.com/office/drawing/2010/main" Requires="a14">
+          <p:sp>
+            <p:nvSpPr>
+              <p:cNvPr id="5" name="TextBox 4">
+                <a:extLst>
+                  <a:ext uri="{FF2B5EF4-FFF2-40B4-BE49-F238E27FC236}">
+                    <a16:creationId xmlns:a16="http://schemas.microsoft.com/office/drawing/2014/main" id="{1C78E709-5155-4AB5-A589-8B3474F50670}"/>
+                  </a:ext>
+                </a:extLst>
+              </p:cNvPr>
+              <p:cNvSpPr txBox="1"/>
+              <p:nvPr/>
+            </p:nvSpPr>
+            <p:spPr>
+              <a:xfrm>
+                <a:off x="779818" y="914705"/>
+                <a:ext cx="6358919" cy="414024"/>
+              </a:xfrm>
+              <a:prstGeom prst="rect">
+                <a:avLst/>
+              </a:prstGeom>
+              <a:noFill/>
+            </p:spPr>
+            <p:txBody>
+              <a:bodyPr wrap="square" rtlCol="0">
+                <a:spAutoFit/>
+              </a:bodyPr>
+              <a:lstStyle/>
+              <a:p>
+                <a:pPr/>
+                <a14:m>
+                  <m:oMathPara xmlns:m="http://schemas.openxmlformats.org/officeDocument/2006/math">
+                    <m:oMathParaPr>
+                      <m:jc m:val="left"/>
+                    </m:oMathParaPr>
+                    <m:oMath xmlns:m="http://schemas.openxmlformats.org/officeDocument/2006/math">
+                      <m:sSub>
+                        <m:sSubPr>
+                          <m:ctrlPr>
+                            <a:rPr lang="en-US" b="0" i="1" smtClean="0">
+                              <a:latin typeface="Cambria Math" panose="02040503050406030204" pitchFamily="18" charset="0"/>
+                            </a:rPr>
+                          </m:ctrlPr>
+                        </m:sSubPr>
+                        <m:e>
+                          <m:r>
+                            <a:rPr lang="en-US" b="0" i="1" smtClean="0">
+                              <a:latin typeface="Cambria Math" panose="02040503050406030204" pitchFamily="18" charset="0"/>
+                            </a:rPr>
+                            <m:t>𝑇</m:t>
+                          </m:r>
+                        </m:e>
+                        <m:sub>
+                          <m:r>
+                            <a:rPr lang="en-US" b="0" i="1" smtClean="0">
+                              <a:latin typeface="Cambria Math" panose="02040503050406030204" pitchFamily="18" charset="0"/>
+                            </a:rPr>
+                            <m:t>𝑚</m:t>
+                          </m:r>
+                          <m:r>
+                            <a:rPr lang="en-US" b="0" i="1" smtClean="0">
+                              <a:latin typeface="Cambria Math" panose="02040503050406030204" pitchFamily="18" charset="0"/>
+                            </a:rPr>
+                            <m:t>17</m:t>
+                          </m:r>
+                        </m:sub>
+                      </m:sSub>
+                      <m:r>
+                        <a:rPr lang="en-US" b="0" i="1" smtClean="0">
+                          <a:latin typeface="Cambria Math" panose="02040503050406030204" pitchFamily="18" charset="0"/>
+                        </a:rPr>
+                        <m:t>=</m:t>
+                      </m:r>
+                      <m:d>
+                        <m:dPr>
+                          <m:ctrlPr>
+                            <a:rPr lang="en-US" b="0" i="1" smtClean="0">
+                              <a:latin typeface="Cambria Math" panose="02040503050406030204" pitchFamily="18" charset="0"/>
+                            </a:rPr>
+                          </m:ctrlPr>
+                        </m:dPr>
+                        <m:e>
+                          <m:sSub>
+                            <m:sSubPr>
+                              <m:ctrlPr>
+                                <a:rPr lang="en-US" b="0" i="1" smtClean="0">
+                                  <a:latin typeface="Cambria Math" panose="02040503050406030204" pitchFamily="18" charset="0"/>
+                                </a:rPr>
+                              </m:ctrlPr>
+                            </m:sSubPr>
+                            <m:e>
+                              <m:r>
+                                <a:rPr lang="en-US" b="0" i="1" smtClean="0">
+                                  <a:latin typeface="Cambria Math" panose="02040503050406030204" pitchFamily="18" charset="0"/>
+                                </a:rPr>
+                                <m:t>𝑆</m:t>
+                              </m:r>
+                            </m:e>
+                            <m:sub>
+                              <m:r>
+                                <a:rPr lang="en-US" b="0" i="1" smtClean="0">
+                                  <a:latin typeface="Cambria Math" panose="02040503050406030204" pitchFamily="18" charset="0"/>
+                                </a:rPr>
+                                <m:t>𝑙</m:t>
+                              </m:r>
+                              <m:r>
+                                <a:rPr lang="en-US" b="0" i="1" smtClean="0">
+                                  <a:latin typeface="Cambria Math" panose="02040503050406030204" pitchFamily="18" charset="0"/>
+                                </a:rPr>
+                                <m:t>𝑜𝑛</m:t>
+                              </m:r>
+                            </m:sub>
+                          </m:sSub>
+                          <m:sSub>
+                            <m:sSubPr>
+                              <m:ctrlPr>
+                                <a:rPr lang="en-US" b="0" i="1" smtClean="0">
+                                  <a:latin typeface="Cambria Math" panose="02040503050406030204" pitchFamily="18" charset="0"/>
+                                </a:rPr>
+                              </m:ctrlPr>
+                            </m:sSubPr>
+                            <m:e>
+                              <m:r>
+                                <a:rPr lang="en-US" b="0" i="1" smtClean="0">
+                                  <a:latin typeface="Cambria Math" panose="02040503050406030204" pitchFamily="18" charset="0"/>
+                                </a:rPr>
+                                <m:t>𝑝</m:t>
+                              </m:r>
+                            </m:e>
+                            <m:sub>
+                              <m:r>
+                                <a:rPr lang="en-US" b="0" i="1" smtClean="0">
+                                  <a:latin typeface="Cambria Math" panose="02040503050406030204" pitchFamily="18" charset="0"/>
+                                </a:rPr>
+                                <m:t>14</m:t>
+                              </m:r>
+                            </m:sub>
+                          </m:sSub>
+                          <m:r>
+                            <a:rPr lang="en-US" b="0" i="1" smtClean="0">
+                              <a:latin typeface="Cambria Math" panose="02040503050406030204" pitchFamily="18" charset="0"/>
+                            </a:rPr>
+                            <m:t>+</m:t>
+                          </m:r>
+                          <m:sSub>
+                            <m:sSubPr>
+                              <m:ctrlPr>
+                                <a:rPr lang="en-US" b="0" i="1" smtClean="0">
+                                  <a:latin typeface="Cambria Math" panose="02040503050406030204" pitchFamily="18" charset="0"/>
+                                </a:rPr>
+                              </m:ctrlPr>
+                            </m:sSubPr>
+                            <m:e>
+                              <m:r>
+                                <a:rPr lang="en-US" b="0" i="1" smtClean="0">
+                                  <a:latin typeface="Cambria Math" panose="02040503050406030204" pitchFamily="18" charset="0"/>
+                                </a:rPr>
+                                <m:t>𝑆</m:t>
+                              </m:r>
+                            </m:e>
+                            <m:sub>
+                              <m:r>
+                                <a:rPr lang="en-US" b="0" i="1" smtClean="0">
+                                  <a:latin typeface="Cambria Math" panose="02040503050406030204" pitchFamily="18" charset="0"/>
+                                </a:rPr>
+                                <m:t>𝑙</m:t>
+                              </m:r>
+                              <m:r>
+                                <a:rPr lang="en-US" b="0" i="1" smtClean="0">
+                                  <a:latin typeface="Cambria Math" panose="02040503050406030204" pitchFamily="18" charset="0"/>
+                                </a:rPr>
+                                <m:t>𝑜𝑓𝑓</m:t>
+                              </m:r>
+                            </m:sub>
+                          </m:sSub>
+                          <m:sSub>
+                            <m:sSubPr>
+                              <m:ctrlPr>
+                                <a:rPr lang="en-US" b="0" i="1" smtClean="0">
+                                  <a:latin typeface="Cambria Math" panose="02040503050406030204" pitchFamily="18" charset="0"/>
+                                </a:rPr>
+                              </m:ctrlPr>
+                            </m:sSubPr>
+                            <m:e>
+                              <m:r>
+                                <a:rPr lang="en-US" b="0" i="1" smtClean="0">
+                                  <a:latin typeface="Cambria Math" panose="02040503050406030204" pitchFamily="18" charset="0"/>
+                                </a:rPr>
+                                <m:t>𝑝</m:t>
+                              </m:r>
+                            </m:e>
+                            <m:sub>
+                              <m:r>
+                                <a:rPr lang="en-US" b="0" i="1" smtClean="0">
+                                  <a:latin typeface="Cambria Math" panose="02040503050406030204" pitchFamily="18" charset="0"/>
+                                </a:rPr>
+                                <m:t>15</m:t>
+                              </m:r>
+                            </m:sub>
+                          </m:sSub>
+                        </m:e>
+                      </m:d>
+                      <m:r>
+                        <a:rPr lang="en-US" b="0" i="1" smtClean="0">
+                          <a:latin typeface="Cambria Math" panose="02040503050406030204" pitchFamily="18" charset="0"/>
+                        </a:rPr>
+                        <m:t>𝑓</m:t>
+                      </m:r>
+                      <m:d>
+                        <m:dPr>
+                          <m:ctrlPr>
+                            <a:rPr lang="en-US" b="0" i="1" smtClean="0">
+                              <a:latin typeface="Cambria Math" panose="02040503050406030204" pitchFamily="18" charset="0"/>
+                            </a:rPr>
+                          </m:ctrlPr>
+                        </m:dPr>
+                        <m:e>
+                          <m:sSub>
+                            <m:sSubPr>
+                              <m:ctrlPr>
+                                <a:rPr lang="en-US" b="0" i="1" smtClean="0">
+                                  <a:latin typeface="Cambria Math" panose="02040503050406030204" pitchFamily="18" charset="0"/>
+                                </a:rPr>
+                              </m:ctrlPr>
+                            </m:sSubPr>
+                            <m:e>
+                              <m:r>
+                                <a:rPr lang="en-US" b="0" i="1" smtClean="0">
+                                  <a:latin typeface="Cambria Math" panose="02040503050406030204" pitchFamily="18" charset="0"/>
+                                </a:rPr>
+                                <m:t>𝑢</m:t>
+                              </m:r>
+                            </m:e>
+                            <m:sub>
+                              <m:r>
+                                <a:rPr lang="en-US" b="0" i="1" smtClean="0">
+                                  <a:latin typeface="Cambria Math" panose="02040503050406030204" pitchFamily="18" charset="0"/>
+                                </a:rPr>
+                                <m:t>1</m:t>
+                              </m:r>
+                              <m:r>
+                                <a:rPr lang="en-US" b="0" i="1" smtClean="0">
+                                  <a:latin typeface="Cambria Math" panose="02040503050406030204" pitchFamily="18" charset="0"/>
+                                </a:rPr>
+                                <m:t>3</m:t>
+                              </m:r>
+                            </m:sub>
+                          </m:sSub>
+                        </m:e>
+                      </m:d>
+                      <m:r>
+                        <a:rPr lang="en-US" b="0" i="1" smtClean="0">
+                          <a:latin typeface="Cambria Math" panose="02040503050406030204" pitchFamily="18" charset="0"/>
+                        </a:rPr>
+                        <m:t>+</m:t>
+                      </m:r>
+                      <m:sSub>
+                        <m:sSubPr>
+                          <m:ctrlPr>
+                            <a:rPr lang="en-US" b="0" i="1" smtClean="0">
+                              <a:latin typeface="Cambria Math" panose="02040503050406030204" pitchFamily="18" charset="0"/>
+                            </a:rPr>
+                          </m:ctrlPr>
+                        </m:sSubPr>
+                        <m:e>
+                          <m:r>
+                            <a:rPr lang="en-US" b="0" i="1" smtClean="0">
+                              <a:latin typeface="Cambria Math" panose="02040503050406030204" pitchFamily="18" charset="0"/>
+                            </a:rPr>
+                            <m:t>𝑆</m:t>
+                          </m:r>
+                        </m:e>
+                        <m:sub>
+                          <m:r>
+                            <a:rPr lang="en-US" b="0" i="1" smtClean="0">
+                              <a:latin typeface="Cambria Math" panose="02040503050406030204" pitchFamily="18" charset="0"/>
+                            </a:rPr>
+                            <m:t>𝑙</m:t>
+                          </m:r>
+                          <m:r>
+                            <a:rPr lang="en-US" b="0" i="1" smtClean="0">
+                              <a:latin typeface="Cambria Math" panose="02040503050406030204" pitchFamily="18" charset="0"/>
+                            </a:rPr>
+                            <m:t>𝑠𝑡</m:t>
+                          </m:r>
+                        </m:sub>
+                      </m:sSub>
+                      <m:sSub>
+                        <m:sSubPr>
+                          <m:ctrlPr>
+                            <a:rPr lang="en-US" b="0" i="1" smtClean="0">
+                              <a:latin typeface="Cambria Math" panose="02040503050406030204" pitchFamily="18" charset="0"/>
+                            </a:rPr>
+                          </m:ctrlPr>
+                        </m:sSubPr>
+                        <m:e>
+                          <m:r>
+                            <a:rPr lang="en-US" b="0" i="1" smtClean="0">
+                              <a:latin typeface="Cambria Math" panose="02040503050406030204" pitchFamily="18" charset="0"/>
+                            </a:rPr>
+                            <m:t>𝑝</m:t>
+                          </m:r>
+                        </m:e>
+                        <m:sub>
+                          <m:r>
+                            <a:rPr lang="en-US" b="0" i="1" smtClean="0">
+                              <a:latin typeface="Cambria Math" panose="02040503050406030204" pitchFamily="18" charset="0"/>
+                            </a:rPr>
+                            <m:t>𝑖</m:t>
+                          </m:r>
+                          <m:r>
+                            <a:rPr lang="en-US" b="0" i="1" smtClean="0">
+                              <a:latin typeface="Cambria Math" panose="02040503050406030204" pitchFamily="18" charset="0"/>
+                            </a:rPr>
+                            <m:t>7</m:t>
+                          </m:r>
+                        </m:sub>
+                      </m:sSub>
+                      <m:r>
+                        <a:rPr lang="en-US" b="0" i="1" smtClean="0">
+                          <a:latin typeface="Cambria Math" panose="02040503050406030204" pitchFamily="18" charset="0"/>
+                        </a:rPr>
+                        <m:t>𝑓</m:t>
+                      </m:r>
+                      <m:r>
+                        <a:rPr lang="en-US" b="0" i="1" smtClean="0">
+                          <a:latin typeface="Cambria Math" panose="02040503050406030204" pitchFamily="18" charset="0"/>
+                        </a:rPr>
+                        <m:t>(</m:t>
+                      </m:r>
+                      <m:acc>
+                        <m:accPr>
+                          <m:chr m:val="̇"/>
+                          <m:ctrlPr>
+                            <a:rPr lang="en-US" b="0" i="1" smtClean="0">
+                              <a:latin typeface="Cambria Math" panose="02040503050406030204" pitchFamily="18" charset="0"/>
+                            </a:rPr>
+                          </m:ctrlPr>
+                        </m:accPr>
+                        <m:e>
+                          <m:sSub>
+                            <m:sSubPr>
+                              <m:ctrlPr>
+                                <a:rPr lang="en-US" b="0" i="1" smtClean="0">
+                                  <a:latin typeface="Cambria Math" panose="02040503050406030204" pitchFamily="18" charset="0"/>
+                                </a:rPr>
+                              </m:ctrlPr>
+                            </m:sSubPr>
+                            <m:e>
+                              <m:r>
+                                <a:rPr lang="en-US" b="0" i="1" smtClean="0">
+                                  <a:latin typeface="Cambria Math" panose="02040503050406030204" pitchFamily="18" charset="0"/>
+                                </a:rPr>
+                                <m:t>𝜃</m:t>
+                              </m:r>
+                            </m:e>
+                            <m:sub>
+                              <m:r>
+                                <a:rPr lang="en-US" b="0" i="1" smtClean="0">
+                                  <a:latin typeface="Cambria Math" panose="02040503050406030204" pitchFamily="18" charset="0"/>
+                                </a:rPr>
+                                <m:t>8</m:t>
+                              </m:r>
+                            </m:sub>
+                          </m:sSub>
+                        </m:e>
+                      </m:acc>
+                      <m:r>
+                        <a:rPr lang="en-US" b="0" i="1" smtClean="0">
+                          <a:latin typeface="Cambria Math" panose="02040503050406030204" pitchFamily="18" charset="0"/>
+                        </a:rPr>
+                        <m:t>−</m:t>
+                      </m:r>
+                      <m:acc>
+                        <m:accPr>
+                          <m:chr m:val="̇"/>
+                          <m:ctrlPr>
+                            <a:rPr lang="en-US" b="0" i="1" smtClean="0">
+                              <a:latin typeface="Cambria Math" panose="02040503050406030204" pitchFamily="18" charset="0"/>
+                            </a:rPr>
+                          </m:ctrlPr>
+                        </m:accPr>
+                        <m:e>
+                          <m:sSub>
+                            <m:sSubPr>
+                              <m:ctrlPr>
+                                <a:rPr lang="en-US" b="0" i="1" smtClean="0">
+                                  <a:latin typeface="Cambria Math" panose="02040503050406030204" pitchFamily="18" charset="0"/>
+                                </a:rPr>
+                              </m:ctrlPr>
+                            </m:sSubPr>
+                            <m:e>
+                              <m:r>
+                                <a:rPr lang="en-US" b="0" i="1" smtClean="0">
+                                  <a:latin typeface="Cambria Math" panose="02040503050406030204" pitchFamily="18" charset="0"/>
+                                </a:rPr>
+                                <m:t>𝜃</m:t>
+                              </m:r>
+                            </m:e>
+                            <m:sub>
+                              <m:r>
+                                <a:rPr lang="en-US" b="0" i="1" smtClean="0">
+                                  <a:latin typeface="Cambria Math" panose="02040503050406030204" pitchFamily="18" charset="0"/>
+                                </a:rPr>
+                                <m:t>6</m:t>
+                              </m:r>
+                            </m:sub>
+                          </m:sSub>
+                        </m:e>
+                      </m:acc>
+                      <m:r>
+                        <a:rPr lang="en-US" b="0" i="1" smtClean="0">
+                          <a:latin typeface="Cambria Math" panose="02040503050406030204" pitchFamily="18" charset="0"/>
+                        </a:rPr>
+                        <m:t>)</m:t>
+                      </m:r>
+                    </m:oMath>
+                  </m:oMathPara>
+                </a14:m>
+                <a:endParaRPr lang="en-US" dirty="0"/>
+              </a:p>
+            </p:txBody>
+          </p:sp>
+        </mc:Choice>
+        <mc:Fallback>
+          <p:sp>
+            <p:nvSpPr>
+              <p:cNvPr id="5" name="TextBox 4">
+                <a:extLst>
+                  <a:ext uri="{FF2B5EF4-FFF2-40B4-BE49-F238E27FC236}">
+                    <a16:creationId xmlns:a16="http://schemas.microsoft.com/office/drawing/2014/main" id="{1C78E709-5155-4AB5-A589-8B3474F50670}"/>
+                  </a:ext>
+                </a:extLst>
+              </p:cNvPr>
+              <p:cNvSpPr txBox="1">
+                <a:spLocks noRot="1" noChangeAspect="1" noMove="1" noResize="1" noEditPoints="1" noAdjustHandles="1" noChangeArrowheads="1" noChangeShapeType="1" noTextEdit="1"/>
+              </p:cNvSpPr>
+              <p:nvPr/>
+            </p:nvSpPr>
+            <p:spPr>
+              <a:xfrm>
+                <a:off x="779818" y="914705"/>
+                <a:ext cx="6358919" cy="414024"/>
+              </a:xfrm>
+              <a:prstGeom prst="rect">
+                <a:avLst/>
+              </a:prstGeom>
+              <a:blipFill>
+                <a:blip r:embed="rId2"/>
+                <a:stretch>
+                  <a:fillRect b="-8824"/>
+                </a:stretch>
+              </a:blipFill>
+            </p:spPr>
+            <p:txBody>
+              <a:bodyPr/>
+              <a:lstStyle/>
+              <a:p>
+                <a:r>
+                  <a:rPr lang="en-US">
+                    <a:noFill/>
+                  </a:rPr>
+                  <a:t> </a:t>
+                </a:r>
+              </a:p>
+            </p:txBody>
+          </p:sp>
+        </mc:Fallback>
+      </mc:AlternateContent>
+      <mc:AlternateContent xmlns:mc="http://schemas.openxmlformats.org/markup-compatibility/2006">
+        <mc:Choice xmlns:a14="http://schemas.microsoft.com/office/drawing/2010/main" Requires="a14">
+          <p:sp>
+            <p:nvSpPr>
+              <p:cNvPr id="6" name="TextBox 5">
+                <a:extLst>
+                  <a:ext uri="{FF2B5EF4-FFF2-40B4-BE49-F238E27FC236}">
+                    <a16:creationId xmlns:a16="http://schemas.microsoft.com/office/drawing/2014/main" id="{C194D1CB-C922-4043-8625-58C1303B0091}"/>
+                  </a:ext>
+                </a:extLst>
+              </p:cNvPr>
+              <p:cNvSpPr txBox="1"/>
+              <p:nvPr/>
+            </p:nvSpPr>
+            <p:spPr>
+              <a:xfrm>
+                <a:off x="2720913" y="1772957"/>
+                <a:ext cx="6358919" cy="382156"/>
+              </a:xfrm>
+              <a:prstGeom prst="rect">
+                <a:avLst/>
+              </a:prstGeom>
+              <a:noFill/>
+            </p:spPr>
+            <p:txBody>
+              <a:bodyPr wrap="square" rtlCol="0">
+                <a:spAutoFit/>
+              </a:bodyPr>
+              <a:lstStyle/>
+              <a:p>
+                <a:pPr/>
+                <a14:m>
+                  <m:oMathPara xmlns:m="http://schemas.openxmlformats.org/officeDocument/2006/math">
+                    <m:oMathParaPr>
+                      <m:jc m:val="left"/>
+                    </m:oMathParaPr>
+                    <m:oMath xmlns:m="http://schemas.openxmlformats.org/officeDocument/2006/math">
+                      <m:sSub>
+                        <m:sSubPr>
+                          <m:ctrlPr>
+                            <a:rPr lang="en-US" i="1">
+                              <a:latin typeface="Cambria Math" panose="02040503050406030204" pitchFamily="18" charset="0"/>
+                            </a:rPr>
+                          </m:ctrlPr>
+                        </m:sSubPr>
+                        <m:e>
+                          <m:r>
+                            <a:rPr lang="en-US" i="1">
+                              <a:latin typeface="Cambria Math" panose="02040503050406030204" pitchFamily="18" charset="0"/>
+                            </a:rPr>
+                            <m:t>𝑇</m:t>
+                          </m:r>
+                        </m:e>
+                        <m:sub>
+                          <m:r>
+                            <a:rPr lang="en-US" i="1">
+                              <a:latin typeface="Cambria Math" panose="02040503050406030204" pitchFamily="18" charset="0"/>
+                            </a:rPr>
+                            <m:t>𝑚</m:t>
+                          </m:r>
+                          <m:r>
+                            <a:rPr lang="en-US" i="1">
+                              <a:latin typeface="Cambria Math" panose="02040503050406030204" pitchFamily="18" charset="0"/>
+                            </a:rPr>
+                            <m:t>17</m:t>
+                          </m:r>
+                        </m:sub>
+                      </m:sSub>
+                      <m:r>
+                        <a:rPr lang="en-US" i="1">
+                          <a:latin typeface="Cambria Math" panose="02040503050406030204" pitchFamily="18" charset="0"/>
+                        </a:rPr>
+                        <m:t>=</m:t>
+                      </m:r>
+                      <m:d>
+                        <m:dPr>
+                          <m:ctrlPr>
+                            <a:rPr lang="en-US" i="1">
+                              <a:latin typeface="Cambria Math" panose="02040503050406030204" pitchFamily="18" charset="0"/>
+                            </a:rPr>
+                          </m:ctrlPr>
+                        </m:dPr>
+                        <m:e>
+                          <m:sSub>
+                            <m:sSubPr>
+                              <m:ctrlPr>
+                                <a:rPr lang="en-US" i="1">
+                                  <a:latin typeface="Cambria Math" panose="02040503050406030204" pitchFamily="18" charset="0"/>
+                                </a:rPr>
+                              </m:ctrlPr>
+                            </m:sSubPr>
+                            <m:e>
+                              <m:r>
+                                <a:rPr lang="en-US" i="1">
+                                  <a:latin typeface="Cambria Math" panose="02040503050406030204" pitchFamily="18" charset="0"/>
+                                </a:rPr>
+                                <m:t>𝑆</m:t>
+                              </m:r>
+                            </m:e>
+                            <m:sub>
+                              <m:r>
+                                <a:rPr lang="en-US" i="1">
+                                  <a:latin typeface="Cambria Math" panose="02040503050406030204" pitchFamily="18" charset="0"/>
+                                </a:rPr>
+                                <m:t>𝑙𝑜𝑛</m:t>
+                              </m:r>
+                            </m:sub>
+                          </m:sSub>
+                          <m:sSub>
+                            <m:sSubPr>
+                              <m:ctrlPr>
+                                <a:rPr lang="en-US" i="1">
+                                  <a:latin typeface="Cambria Math" panose="02040503050406030204" pitchFamily="18" charset="0"/>
+                                </a:rPr>
+                              </m:ctrlPr>
+                            </m:sSubPr>
+                            <m:e>
+                              <m:r>
+                                <a:rPr lang="en-US" i="1">
+                                  <a:latin typeface="Cambria Math" panose="02040503050406030204" pitchFamily="18" charset="0"/>
+                                </a:rPr>
+                                <m:t>𝑝</m:t>
+                              </m:r>
+                            </m:e>
+                            <m:sub>
+                              <m:r>
+                                <a:rPr lang="en-US" i="1">
+                                  <a:latin typeface="Cambria Math" panose="02040503050406030204" pitchFamily="18" charset="0"/>
+                                </a:rPr>
+                                <m:t>14</m:t>
+                              </m:r>
+                            </m:sub>
+                          </m:sSub>
+                        </m:e>
+                      </m:d>
+                      <m:r>
+                        <a:rPr lang="en-US" i="1">
+                          <a:latin typeface="Cambria Math" panose="02040503050406030204" pitchFamily="18" charset="0"/>
+                        </a:rPr>
+                        <m:t>𝑓</m:t>
+                      </m:r>
+                      <m:d>
+                        <m:dPr>
+                          <m:ctrlPr>
+                            <a:rPr lang="en-US" i="1">
+                              <a:latin typeface="Cambria Math" panose="02040503050406030204" pitchFamily="18" charset="0"/>
+                            </a:rPr>
+                          </m:ctrlPr>
+                        </m:dPr>
+                        <m:e>
+                          <m:sSub>
+                            <m:sSubPr>
+                              <m:ctrlPr>
+                                <a:rPr lang="en-US" i="1">
+                                  <a:latin typeface="Cambria Math" panose="02040503050406030204" pitchFamily="18" charset="0"/>
+                                </a:rPr>
+                              </m:ctrlPr>
+                            </m:sSubPr>
+                            <m:e>
+                              <m:r>
+                                <a:rPr lang="en-US" i="1">
+                                  <a:latin typeface="Cambria Math" panose="02040503050406030204" pitchFamily="18" charset="0"/>
+                                </a:rPr>
+                                <m:t>𝑢</m:t>
+                              </m:r>
+                            </m:e>
+                            <m:sub>
+                              <m:r>
+                                <a:rPr lang="en-US" i="1">
+                                  <a:latin typeface="Cambria Math" panose="02040503050406030204" pitchFamily="18" charset="0"/>
+                                </a:rPr>
+                                <m:t>13</m:t>
+                              </m:r>
+                            </m:sub>
+                          </m:sSub>
+                        </m:e>
+                      </m:d>
+                    </m:oMath>
+                  </m:oMathPara>
+                </a14:m>
+                <a:endParaRPr lang="en-US" dirty="0"/>
+              </a:p>
+            </p:txBody>
+          </p:sp>
+        </mc:Choice>
+        <mc:Fallback>
+          <p:sp>
+            <p:nvSpPr>
+              <p:cNvPr id="6" name="TextBox 5">
+                <a:extLst>
+                  <a:ext uri="{FF2B5EF4-FFF2-40B4-BE49-F238E27FC236}">
+                    <a16:creationId xmlns:a16="http://schemas.microsoft.com/office/drawing/2014/main" id="{C194D1CB-C922-4043-8625-58C1303B0091}"/>
+                  </a:ext>
+                </a:extLst>
+              </p:cNvPr>
+              <p:cNvSpPr txBox="1">
+                <a:spLocks noRot="1" noChangeAspect="1" noMove="1" noResize="1" noEditPoints="1" noAdjustHandles="1" noChangeArrowheads="1" noChangeShapeType="1" noTextEdit="1"/>
+              </p:cNvSpPr>
+              <p:nvPr/>
+            </p:nvSpPr>
+            <p:spPr>
+              <a:xfrm>
+                <a:off x="2720913" y="1772957"/>
+                <a:ext cx="6358919" cy="382156"/>
+              </a:xfrm>
+              <a:prstGeom prst="rect">
+                <a:avLst/>
+              </a:prstGeom>
+              <a:blipFill>
+                <a:blip r:embed="rId3"/>
+                <a:stretch>
+                  <a:fillRect b="-7937"/>
+                </a:stretch>
+              </a:blipFill>
+            </p:spPr>
+            <p:txBody>
+              <a:bodyPr/>
+              <a:lstStyle/>
+              <a:p>
+                <a:r>
+                  <a:rPr lang="en-US">
+                    <a:noFill/>
+                  </a:rPr>
+                  <a:t> </a:t>
+                </a:r>
+              </a:p>
+            </p:txBody>
+          </p:sp>
+        </mc:Fallback>
+      </mc:AlternateContent>
+      <mc:AlternateContent xmlns:mc="http://schemas.openxmlformats.org/markup-compatibility/2006">
+        <mc:Choice xmlns:a14="http://schemas.microsoft.com/office/drawing/2010/main" Requires="a14">
+          <p:sp>
+            <p:nvSpPr>
+              <p:cNvPr id="7" name="TextBox 6">
+                <a:extLst>
+                  <a:ext uri="{FF2B5EF4-FFF2-40B4-BE49-F238E27FC236}">
+                    <a16:creationId xmlns:a16="http://schemas.microsoft.com/office/drawing/2014/main" id="{05720516-5EFE-48FD-AEE5-3587D3BD26CE}"/>
+                  </a:ext>
+                </a:extLst>
+              </p:cNvPr>
+              <p:cNvSpPr txBox="1"/>
+              <p:nvPr/>
+            </p:nvSpPr>
+            <p:spPr>
+              <a:xfrm>
+                <a:off x="2720913" y="2190052"/>
+                <a:ext cx="6358919" cy="411331"/>
+              </a:xfrm>
+              <a:prstGeom prst="rect">
+                <a:avLst/>
+              </a:prstGeom>
+              <a:noFill/>
+            </p:spPr>
+            <p:txBody>
+              <a:bodyPr wrap="square" rtlCol="0">
+                <a:spAutoFit/>
+              </a:bodyPr>
+              <a:lstStyle/>
+              <a:p>
+                <a:pPr/>
+                <a14:m>
+                  <m:oMathPara xmlns:m="http://schemas.openxmlformats.org/officeDocument/2006/math">
+                    <m:oMathParaPr>
+                      <m:jc m:val="left"/>
+                    </m:oMathParaPr>
+                    <m:oMath xmlns:m="http://schemas.openxmlformats.org/officeDocument/2006/math">
+                      <m:sSub>
+                        <m:sSubPr>
+                          <m:ctrlPr>
+                            <a:rPr lang="en-US" i="1">
+                              <a:latin typeface="Cambria Math" panose="02040503050406030204" pitchFamily="18" charset="0"/>
+                            </a:rPr>
+                          </m:ctrlPr>
+                        </m:sSubPr>
+                        <m:e>
+                          <m:r>
+                            <a:rPr lang="en-US" i="1">
+                              <a:latin typeface="Cambria Math" panose="02040503050406030204" pitchFamily="18" charset="0"/>
+                            </a:rPr>
+                            <m:t>𝑇</m:t>
+                          </m:r>
+                        </m:e>
+                        <m:sub>
+                          <m:r>
+                            <a:rPr lang="en-US" i="1">
+                              <a:latin typeface="Cambria Math" panose="02040503050406030204" pitchFamily="18" charset="0"/>
+                            </a:rPr>
+                            <m:t>𝑚</m:t>
+                          </m:r>
+                          <m:r>
+                            <a:rPr lang="en-US" i="1">
+                              <a:latin typeface="Cambria Math" panose="02040503050406030204" pitchFamily="18" charset="0"/>
+                            </a:rPr>
+                            <m:t>17</m:t>
+                          </m:r>
+                        </m:sub>
+                      </m:sSub>
+                      <m:r>
+                        <a:rPr lang="en-US" i="1">
+                          <a:latin typeface="Cambria Math" panose="02040503050406030204" pitchFamily="18" charset="0"/>
+                        </a:rPr>
+                        <m:t>=</m:t>
+                      </m:r>
+                      <m:d>
+                        <m:dPr>
+                          <m:ctrlPr>
+                            <a:rPr lang="en-US" i="1">
+                              <a:latin typeface="Cambria Math" panose="02040503050406030204" pitchFamily="18" charset="0"/>
+                            </a:rPr>
+                          </m:ctrlPr>
+                        </m:dPr>
+                        <m:e>
+                          <m:sSub>
+                            <m:sSubPr>
+                              <m:ctrlPr>
+                                <a:rPr lang="en-US" i="1">
+                                  <a:latin typeface="Cambria Math" panose="02040503050406030204" pitchFamily="18" charset="0"/>
+                                </a:rPr>
+                              </m:ctrlPr>
+                            </m:sSubPr>
+                            <m:e>
+                              <m:r>
+                                <a:rPr lang="en-US" i="1">
+                                  <a:latin typeface="Cambria Math" panose="02040503050406030204" pitchFamily="18" charset="0"/>
+                                </a:rPr>
+                                <m:t>𝑆</m:t>
+                              </m:r>
+                            </m:e>
+                            <m:sub>
+                              <m:r>
+                                <a:rPr lang="en-US" i="1">
+                                  <a:latin typeface="Cambria Math" panose="02040503050406030204" pitchFamily="18" charset="0"/>
+                                </a:rPr>
+                                <m:t>𝑙𝑜𝑓𝑓</m:t>
+                              </m:r>
+                            </m:sub>
+                          </m:sSub>
+                          <m:sSub>
+                            <m:sSubPr>
+                              <m:ctrlPr>
+                                <a:rPr lang="en-US" i="1">
+                                  <a:latin typeface="Cambria Math" panose="02040503050406030204" pitchFamily="18" charset="0"/>
+                                </a:rPr>
+                              </m:ctrlPr>
+                            </m:sSubPr>
+                            <m:e>
+                              <m:r>
+                                <a:rPr lang="en-US" i="1">
+                                  <a:latin typeface="Cambria Math" panose="02040503050406030204" pitchFamily="18" charset="0"/>
+                                </a:rPr>
+                                <m:t>𝑝</m:t>
+                              </m:r>
+                            </m:e>
+                            <m:sub>
+                              <m:r>
+                                <a:rPr lang="en-US" i="1">
+                                  <a:latin typeface="Cambria Math" panose="02040503050406030204" pitchFamily="18" charset="0"/>
+                                </a:rPr>
+                                <m:t>15</m:t>
+                              </m:r>
+                            </m:sub>
+                          </m:sSub>
+                        </m:e>
+                      </m:d>
+                      <m:r>
+                        <a:rPr lang="en-US" i="1">
+                          <a:latin typeface="Cambria Math" panose="02040503050406030204" pitchFamily="18" charset="0"/>
+                        </a:rPr>
+                        <m:t>𝑓</m:t>
+                      </m:r>
+                      <m:d>
+                        <m:dPr>
+                          <m:ctrlPr>
+                            <a:rPr lang="en-US" i="1">
+                              <a:latin typeface="Cambria Math" panose="02040503050406030204" pitchFamily="18" charset="0"/>
+                            </a:rPr>
+                          </m:ctrlPr>
+                        </m:dPr>
+                        <m:e>
+                          <m:sSub>
+                            <m:sSubPr>
+                              <m:ctrlPr>
+                                <a:rPr lang="en-US" i="1">
+                                  <a:latin typeface="Cambria Math" panose="02040503050406030204" pitchFamily="18" charset="0"/>
+                                </a:rPr>
+                              </m:ctrlPr>
+                            </m:sSubPr>
+                            <m:e>
+                              <m:r>
+                                <a:rPr lang="en-US" i="1">
+                                  <a:latin typeface="Cambria Math" panose="02040503050406030204" pitchFamily="18" charset="0"/>
+                                </a:rPr>
+                                <m:t>𝑢</m:t>
+                              </m:r>
+                            </m:e>
+                            <m:sub>
+                              <m:r>
+                                <a:rPr lang="en-US" i="1">
+                                  <a:latin typeface="Cambria Math" panose="02040503050406030204" pitchFamily="18" charset="0"/>
+                                </a:rPr>
+                                <m:t>13</m:t>
+                              </m:r>
+                            </m:sub>
+                          </m:sSub>
+                        </m:e>
+                      </m:d>
+                    </m:oMath>
+                  </m:oMathPara>
+                </a14:m>
+                <a:endParaRPr lang="en-US" dirty="0"/>
+              </a:p>
+            </p:txBody>
+          </p:sp>
+        </mc:Choice>
+        <mc:Fallback>
+          <p:sp>
+            <p:nvSpPr>
+              <p:cNvPr id="7" name="TextBox 6">
+                <a:extLst>
+                  <a:ext uri="{FF2B5EF4-FFF2-40B4-BE49-F238E27FC236}">
+                    <a16:creationId xmlns:a16="http://schemas.microsoft.com/office/drawing/2014/main" id="{05720516-5EFE-48FD-AEE5-3587D3BD26CE}"/>
+                  </a:ext>
+                </a:extLst>
+              </p:cNvPr>
+              <p:cNvSpPr txBox="1">
+                <a:spLocks noRot="1" noChangeAspect="1" noMove="1" noResize="1" noEditPoints="1" noAdjustHandles="1" noChangeArrowheads="1" noChangeShapeType="1" noTextEdit="1"/>
+              </p:cNvSpPr>
+              <p:nvPr/>
+            </p:nvSpPr>
+            <p:spPr>
+              <a:xfrm>
+                <a:off x="2720913" y="2190052"/>
+                <a:ext cx="6358919" cy="411331"/>
+              </a:xfrm>
+              <a:prstGeom prst="rect">
+                <a:avLst/>
+              </a:prstGeom>
+              <a:blipFill>
+                <a:blip r:embed="rId4"/>
+                <a:stretch>
+                  <a:fillRect b="-8824"/>
+                </a:stretch>
+              </a:blipFill>
+            </p:spPr>
+            <p:txBody>
+              <a:bodyPr/>
+              <a:lstStyle/>
+              <a:p>
+                <a:r>
+                  <a:rPr lang="en-US">
+                    <a:noFill/>
+                  </a:rPr>
+                  <a:t> </a:t>
+                </a:r>
+              </a:p>
+            </p:txBody>
+          </p:sp>
+        </mc:Fallback>
+      </mc:AlternateContent>
+      <mc:AlternateContent xmlns:mc="http://schemas.openxmlformats.org/markup-compatibility/2006">
+        <mc:Choice xmlns:a14="http://schemas.microsoft.com/office/drawing/2010/main" Requires="a14">
+          <p:sp>
+            <p:nvSpPr>
+              <p:cNvPr id="8" name="TextBox 7">
+                <a:extLst>
+                  <a:ext uri="{FF2B5EF4-FFF2-40B4-BE49-F238E27FC236}">
+                    <a16:creationId xmlns:a16="http://schemas.microsoft.com/office/drawing/2014/main" id="{EA4DACCA-5AF2-4ED7-B207-31354D68DCC0}"/>
+                  </a:ext>
+                </a:extLst>
+              </p:cNvPr>
+              <p:cNvSpPr txBox="1"/>
+              <p:nvPr/>
+            </p:nvSpPr>
+            <p:spPr>
+              <a:xfrm>
+                <a:off x="2720913" y="2588288"/>
+                <a:ext cx="6358919" cy="411331"/>
+              </a:xfrm>
+              <a:prstGeom prst="rect">
+                <a:avLst/>
+              </a:prstGeom>
+              <a:noFill/>
+            </p:spPr>
+            <p:txBody>
+              <a:bodyPr wrap="square" rtlCol="0">
+                <a:spAutoFit/>
+              </a:bodyPr>
+              <a:lstStyle/>
+              <a:p>
+                <a:pPr/>
+                <a14:m>
+                  <m:oMathPara xmlns:m="http://schemas.openxmlformats.org/officeDocument/2006/math">
+                    <m:oMathParaPr>
+                      <m:jc m:val="left"/>
+                    </m:oMathParaPr>
+                    <m:oMath xmlns:m="http://schemas.openxmlformats.org/officeDocument/2006/math">
+                      <m:sSub>
+                        <m:sSubPr>
+                          <m:ctrlPr>
+                            <a:rPr lang="en-US" i="1">
+                              <a:latin typeface="Cambria Math" panose="02040503050406030204" pitchFamily="18" charset="0"/>
+                            </a:rPr>
+                          </m:ctrlPr>
+                        </m:sSubPr>
+                        <m:e>
+                          <m:r>
+                            <a:rPr lang="en-US" i="1">
+                              <a:latin typeface="Cambria Math" panose="02040503050406030204" pitchFamily="18" charset="0"/>
+                            </a:rPr>
+                            <m:t>𝑇</m:t>
+                          </m:r>
+                        </m:e>
+                        <m:sub>
+                          <m:r>
+                            <a:rPr lang="en-US" i="1">
+                              <a:latin typeface="Cambria Math" panose="02040503050406030204" pitchFamily="18" charset="0"/>
+                            </a:rPr>
+                            <m:t>𝑚</m:t>
+                          </m:r>
+                          <m:r>
+                            <a:rPr lang="en-US" i="1">
+                              <a:latin typeface="Cambria Math" panose="02040503050406030204" pitchFamily="18" charset="0"/>
+                            </a:rPr>
+                            <m:t>17</m:t>
+                          </m:r>
+                        </m:sub>
+                      </m:sSub>
+                      <m:r>
+                        <a:rPr lang="en-US" i="1">
+                          <a:latin typeface="Cambria Math" panose="02040503050406030204" pitchFamily="18" charset="0"/>
+                        </a:rPr>
+                        <m:t>=</m:t>
+                      </m:r>
+                      <m:d>
+                        <m:dPr>
+                          <m:ctrlPr>
+                            <a:rPr lang="en-US" i="1">
+                              <a:latin typeface="Cambria Math" panose="02040503050406030204" pitchFamily="18" charset="0"/>
+                            </a:rPr>
+                          </m:ctrlPr>
+                        </m:dPr>
+                        <m:e>
+                          <m:sSub>
+                            <m:sSubPr>
+                              <m:ctrlPr>
+                                <a:rPr lang="en-US" i="1">
+                                  <a:latin typeface="Cambria Math" panose="02040503050406030204" pitchFamily="18" charset="0"/>
+                                </a:rPr>
+                              </m:ctrlPr>
+                            </m:sSubPr>
+                            <m:e>
+                              <m:r>
+                                <a:rPr lang="en-US" i="1">
+                                  <a:latin typeface="Cambria Math" panose="02040503050406030204" pitchFamily="18" charset="0"/>
+                                </a:rPr>
+                                <m:t>𝑆</m:t>
+                              </m:r>
+                            </m:e>
+                            <m:sub>
+                              <m:r>
+                                <a:rPr lang="en-US" i="1">
+                                  <a:latin typeface="Cambria Math" panose="02040503050406030204" pitchFamily="18" charset="0"/>
+                                </a:rPr>
+                                <m:t>𝑙𝑜𝑓𝑓</m:t>
+                              </m:r>
+                            </m:sub>
+                          </m:sSub>
+                          <m:sSub>
+                            <m:sSubPr>
+                              <m:ctrlPr>
+                                <a:rPr lang="en-US" i="1">
+                                  <a:latin typeface="Cambria Math" panose="02040503050406030204" pitchFamily="18" charset="0"/>
+                                </a:rPr>
+                              </m:ctrlPr>
+                            </m:sSubPr>
+                            <m:e>
+                              <m:r>
+                                <a:rPr lang="en-US" i="1">
+                                  <a:latin typeface="Cambria Math" panose="02040503050406030204" pitchFamily="18" charset="0"/>
+                                </a:rPr>
+                                <m:t>𝑝</m:t>
+                              </m:r>
+                            </m:e>
+                            <m:sub>
+                              <m:r>
+                                <a:rPr lang="en-US" i="1">
+                                  <a:latin typeface="Cambria Math" panose="02040503050406030204" pitchFamily="18" charset="0"/>
+                                </a:rPr>
+                                <m:t>15</m:t>
+                              </m:r>
+                            </m:sub>
+                          </m:sSub>
+                        </m:e>
+                      </m:d>
+                      <m:r>
+                        <a:rPr lang="en-US" i="1">
+                          <a:latin typeface="Cambria Math" panose="02040503050406030204" pitchFamily="18" charset="0"/>
+                        </a:rPr>
+                        <m:t>𝑓</m:t>
+                      </m:r>
+                      <m:d>
+                        <m:dPr>
+                          <m:ctrlPr>
+                            <a:rPr lang="en-US" i="1">
+                              <a:latin typeface="Cambria Math" panose="02040503050406030204" pitchFamily="18" charset="0"/>
+                            </a:rPr>
+                          </m:ctrlPr>
+                        </m:dPr>
+                        <m:e>
+                          <m:sSub>
+                            <m:sSubPr>
+                              <m:ctrlPr>
+                                <a:rPr lang="en-US" i="1">
+                                  <a:latin typeface="Cambria Math" panose="02040503050406030204" pitchFamily="18" charset="0"/>
+                                </a:rPr>
+                              </m:ctrlPr>
+                            </m:sSubPr>
+                            <m:e>
+                              <m:r>
+                                <a:rPr lang="en-US" i="1">
+                                  <a:latin typeface="Cambria Math" panose="02040503050406030204" pitchFamily="18" charset="0"/>
+                                </a:rPr>
+                                <m:t>𝑢</m:t>
+                              </m:r>
+                            </m:e>
+                            <m:sub>
+                              <m:r>
+                                <a:rPr lang="en-US" i="1">
+                                  <a:latin typeface="Cambria Math" panose="02040503050406030204" pitchFamily="18" charset="0"/>
+                                </a:rPr>
+                                <m:t>13</m:t>
+                              </m:r>
+                            </m:sub>
+                          </m:sSub>
+                        </m:e>
+                      </m:d>
+                    </m:oMath>
+                  </m:oMathPara>
+                </a14:m>
+                <a:endParaRPr lang="en-US" dirty="0"/>
+              </a:p>
+            </p:txBody>
+          </p:sp>
+        </mc:Choice>
+        <mc:Fallback>
+          <p:sp>
+            <p:nvSpPr>
+              <p:cNvPr id="8" name="TextBox 7">
+                <a:extLst>
+                  <a:ext uri="{FF2B5EF4-FFF2-40B4-BE49-F238E27FC236}">
+                    <a16:creationId xmlns:a16="http://schemas.microsoft.com/office/drawing/2014/main" id="{EA4DACCA-5AF2-4ED7-B207-31354D68DCC0}"/>
+                  </a:ext>
+                </a:extLst>
+              </p:cNvPr>
+              <p:cNvSpPr txBox="1">
+                <a:spLocks noRot="1" noChangeAspect="1" noMove="1" noResize="1" noEditPoints="1" noAdjustHandles="1" noChangeArrowheads="1" noChangeShapeType="1" noTextEdit="1"/>
+              </p:cNvSpPr>
+              <p:nvPr/>
+            </p:nvSpPr>
+            <p:spPr>
+              <a:xfrm>
+                <a:off x="2720913" y="2588288"/>
+                <a:ext cx="6358919" cy="411331"/>
+              </a:xfrm>
+              <a:prstGeom prst="rect">
+                <a:avLst/>
+              </a:prstGeom>
+              <a:blipFill>
+                <a:blip r:embed="rId5"/>
+                <a:stretch>
+                  <a:fillRect b="-8955"/>
+                </a:stretch>
+              </a:blipFill>
+            </p:spPr>
+            <p:txBody>
+              <a:bodyPr/>
+              <a:lstStyle/>
+              <a:p>
+                <a:r>
+                  <a:rPr lang="en-US">
+                    <a:noFill/>
+                  </a:rPr>
+                  <a:t> </a:t>
+                </a:r>
+              </a:p>
+            </p:txBody>
+          </p:sp>
+        </mc:Fallback>
+      </mc:AlternateContent>
+      <mc:AlternateContent xmlns:mc="http://schemas.openxmlformats.org/markup-compatibility/2006">
+        <mc:Choice xmlns:a14="http://schemas.microsoft.com/office/drawing/2010/main" Requires="a14">
+          <p:sp>
+            <p:nvSpPr>
+              <p:cNvPr id="9" name="TextBox 8">
+                <a:extLst>
+                  <a:ext uri="{FF2B5EF4-FFF2-40B4-BE49-F238E27FC236}">
+                    <a16:creationId xmlns:a16="http://schemas.microsoft.com/office/drawing/2014/main" id="{8D2359C6-C163-472E-9749-71993C72EDE9}"/>
+                  </a:ext>
+                </a:extLst>
+              </p:cNvPr>
+              <p:cNvSpPr txBox="1"/>
+              <p:nvPr/>
+            </p:nvSpPr>
+            <p:spPr>
+              <a:xfrm>
+                <a:off x="2720913" y="3000179"/>
+                <a:ext cx="6358919" cy="382156"/>
+              </a:xfrm>
+              <a:prstGeom prst="rect">
+                <a:avLst/>
+              </a:prstGeom>
+              <a:noFill/>
+            </p:spPr>
+            <p:txBody>
+              <a:bodyPr wrap="square" rtlCol="0">
+                <a:spAutoFit/>
+              </a:bodyPr>
+              <a:lstStyle/>
+              <a:p>
+                <a:pPr/>
+                <a14:m>
+                  <m:oMathPara xmlns:m="http://schemas.openxmlformats.org/officeDocument/2006/math">
+                    <m:oMathParaPr>
+                      <m:jc m:val="left"/>
+                    </m:oMathParaPr>
+                    <m:oMath xmlns:m="http://schemas.openxmlformats.org/officeDocument/2006/math">
+                      <m:sSub>
+                        <m:sSubPr>
+                          <m:ctrlPr>
+                            <a:rPr lang="en-US" i="1">
+                              <a:latin typeface="Cambria Math" panose="02040503050406030204" pitchFamily="18" charset="0"/>
+                            </a:rPr>
+                          </m:ctrlPr>
+                        </m:sSubPr>
+                        <m:e>
+                          <m:r>
+                            <a:rPr lang="en-US" i="1">
+                              <a:latin typeface="Cambria Math" panose="02040503050406030204" pitchFamily="18" charset="0"/>
+                            </a:rPr>
+                            <m:t>𝑇</m:t>
+                          </m:r>
+                        </m:e>
+                        <m:sub>
+                          <m:r>
+                            <a:rPr lang="en-US" i="1">
+                              <a:latin typeface="Cambria Math" panose="02040503050406030204" pitchFamily="18" charset="0"/>
+                            </a:rPr>
+                            <m:t>𝑚</m:t>
+                          </m:r>
+                          <m:r>
+                            <a:rPr lang="en-US" i="1">
+                              <a:latin typeface="Cambria Math" panose="02040503050406030204" pitchFamily="18" charset="0"/>
+                            </a:rPr>
+                            <m:t>17</m:t>
+                          </m:r>
+                        </m:sub>
+                      </m:sSub>
+                      <m:r>
+                        <a:rPr lang="en-US" i="1">
+                          <a:latin typeface="Cambria Math" panose="02040503050406030204" pitchFamily="18" charset="0"/>
+                        </a:rPr>
+                        <m:t>=</m:t>
+                      </m:r>
+                      <m:d>
+                        <m:dPr>
+                          <m:ctrlPr>
+                            <a:rPr lang="en-US" i="1">
+                              <a:latin typeface="Cambria Math" panose="02040503050406030204" pitchFamily="18" charset="0"/>
+                            </a:rPr>
+                          </m:ctrlPr>
+                        </m:dPr>
+                        <m:e>
+                          <m:sSub>
+                            <m:sSubPr>
+                              <m:ctrlPr>
+                                <a:rPr lang="en-US" i="1">
+                                  <a:latin typeface="Cambria Math" panose="02040503050406030204" pitchFamily="18" charset="0"/>
+                                </a:rPr>
+                              </m:ctrlPr>
+                            </m:sSubPr>
+                            <m:e>
+                              <m:r>
+                                <a:rPr lang="en-US" i="1">
+                                  <a:latin typeface="Cambria Math" panose="02040503050406030204" pitchFamily="18" charset="0"/>
+                                </a:rPr>
+                                <m:t>𝑆</m:t>
+                              </m:r>
+                            </m:e>
+                            <m:sub>
+                              <m:r>
+                                <a:rPr lang="en-US" i="1">
+                                  <a:latin typeface="Cambria Math" panose="02040503050406030204" pitchFamily="18" charset="0"/>
+                                </a:rPr>
+                                <m:t>𝑙𝑜𝑛</m:t>
+                              </m:r>
+                            </m:sub>
+                          </m:sSub>
+                          <m:sSub>
+                            <m:sSubPr>
+                              <m:ctrlPr>
+                                <a:rPr lang="en-US" i="1">
+                                  <a:latin typeface="Cambria Math" panose="02040503050406030204" pitchFamily="18" charset="0"/>
+                                </a:rPr>
+                              </m:ctrlPr>
+                            </m:sSubPr>
+                            <m:e>
+                              <m:r>
+                                <a:rPr lang="en-US" i="1">
+                                  <a:latin typeface="Cambria Math" panose="02040503050406030204" pitchFamily="18" charset="0"/>
+                                </a:rPr>
+                                <m:t>𝑝</m:t>
+                              </m:r>
+                            </m:e>
+                            <m:sub>
+                              <m:r>
+                                <a:rPr lang="en-US" i="1">
+                                  <a:latin typeface="Cambria Math" panose="02040503050406030204" pitchFamily="18" charset="0"/>
+                                </a:rPr>
+                                <m:t>14</m:t>
+                              </m:r>
+                            </m:sub>
+                          </m:sSub>
+                        </m:e>
+                      </m:d>
+                      <m:r>
+                        <a:rPr lang="en-US" i="1">
+                          <a:latin typeface="Cambria Math" panose="02040503050406030204" pitchFamily="18" charset="0"/>
+                        </a:rPr>
+                        <m:t>𝑓</m:t>
+                      </m:r>
+                      <m:d>
+                        <m:dPr>
+                          <m:ctrlPr>
+                            <a:rPr lang="en-US" i="1">
+                              <a:latin typeface="Cambria Math" panose="02040503050406030204" pitchFamily="18" charset="0"/>
+                            </a:rPr>
+                          </m:ctrlPr>
+                        </m:dPr>
+                        <m:e>
+                          <m:sSub>
+                            <m:sSubPr>
+                              <m:ctrlPr>
+                                <a:rPr lang="en-US" i="1">
+                                  <a:latin typeface="Cambria Math" panose="02040503050406030204" pitchFamily="18" charset="0"/>
+                                </a:rPr>
+                              </m:ctrlPr>
+                            </m:sSubPr>
+                            <m:e>
+                              <m:r>
+                                <a:rPr lang="en-US" i="1">
+                                  <a:latin typeface="Cambria Math" panose="02040503050406030204" pitchFamily="18" charset="0"/>
+                                </a:rPr>
+                                <m:t>𝑢</m:t>
+                              </m:r>
+                            </m:e>
+                            <m:sub>
+                              <m:r>
+                                <a:rPr lang="en-US" i="1">
+                                  <a:latin typeface="Cambria Math" panose="02040503050406030204" pitchFamily="18" charset="0"/>
+                                </a:rPr>
+                                <m:t>13</m:t>
+                              </m:r>
+                            </m:sub>
+                          </m:sSub>
+                        </m:e>
+                      </m:d>
+                      <m:r>
+                        <a:rPr lang="en-US" i="1">
+                          <a:latin typeface="Cambria Math" panose="02040503050406030204" pitchFamily="18" charset="0"/>
+                        </a:rPr>
+                        <m:t>+</m:t>
+                      </m:r>
+                      <m:sSub>
+                        <m:sSubPr>
+                          <m:ctrlPr>
+                            <a:rPr lang="en-US" i="1">
+                              <a:latin typeface="Cambria Math" panose="02040503050406030204" pitchFamily="18" charset="0"/>
+                            </a:rPr>
+                          </m:ctrlPr>
+                        </m:sSubPr>
+                        <m:e>
+                          <m:r>
+                            <a:rPr lang="en-US" i="1">
+                              <a:latin typeface="Cambria Math" panose="02040503050406030204" pitchFamily="18" charset="0"/>
+                            </a:rPr>
+                            <m:t>𝑆</m:t>
+                          </m:r>
+                        </m:e>
+                        <m:sub>
+                          <m:r>
+                            <a:rPr lang="en-US" i="1">
+                              <a:latin typeface="Cambria Math" panose="02040503050406030204" pitchFamily="18" charset="0"/>
+                            </a:rPr>
+                            <m:t>𝑙𝑠𝑡</m:t>
+                          </m:r>
+                        </m:sub>
+                      </m:sSub>
+                      <m:sSub>
+                        <m:sSubPr>
+                          <m:ctrlPr>
+                            <a:rPr lang="en-US" i="1">
+                              <a:latin typeface="Cambria Math" panose="02040503050406030204" pitchFamily="18" charset="0"/>
+                            </a:rPr>
+                          </m:ctrlPr>
+                        </m:sSubPr>
+                        <m:e>
+                          <m:r>
+                            <a:rPr lang="en-US" i="1">
+                              <a:latin typeface="Cambria Math" panose="02040503050406030204" pitchFamily="18" charset="0"/>
+                            </a:rPr>
+                            <m:t>𝑝</m:t>
+                          </m:r>
+                        </m:e>
+                        <m:sub>
+                          <m:r>
+                            <a:rPr lang="en-US" i="1">
+                              <a:latin typeface="Cambria Math" panose="02040503050406030204" pitchFamily="18" charset="0"/>
+                            </a:rPr>
+                            <m:t>𝑖</m:t>
+                          </m:r>
+                          <m:r>
+                            <a:rPr lang="en-US" i="1">
+                              <a:latin typeface="Cambria Math" panose="02040503050406030204" pitchFamily="18" charset="0"/>
+                            </a:rPr>
+                            <m:t>7</m:t>
+                          </m:r>
+                        </m:sub>
+                      </m:sSub>
+                      <m:r>
+                        <a:rPr lang="en-US" i="1">
+                          <a:latin typeface="Cambria Math" panose="02040503050406030204" pitchFamily="18" charset="0"/>
+                        </a:rPr>
+                        <m:t>𝑓</m:t>
+                      </m:r>
+                      <m:r>
+                        <a:rPr lang="en-US" i="1">
+                          <a:latin typeface="Cambria Math" panose="02040503050406030204" pitchFamily="18" charset="0"/>
+                        </a:rPr>
+                        <m:t>(</m:t>
+                      </m:r>
+                      <m:acc>
+                        <m:accPr>
+                          <m:chr m:val="̇"/>
+                          <m:ctrlPr>
+                            <a:rPr lang="en-US" i="1">
+                              <a:latin typeface="Cambria Math" panose="02040503050406030204" pitchFamily="18" charset="0"/>
+                            </a:rPr>
+                          </m:ctrlPr>
+                        </m:accPr>
+                        <m:e>
+                          <m:sSub>
+                            <m:sSubPr>
+                              <m:ctrlPr>
+                                <a:rPr lang="en-US" i="1">
+                                  <a:latin typeface="Cambria Math" panose="02040503050406030204" pitchFamily="18" charset="0"/>
+                                </a:rPr>
+                              </m:ctrlPr>
+                            </m:sSubPr>
+                            <m:e>
+                              <m:r>
+                                <a:rPr lang="en-US" i="1">
+                                  <a:latin typeface="Cambria Math" panose="02040503050406030204" pitchFamily="18" charset="0"/>
+                                </a:rPr>
+                                <m:t>𝜃</m:t>
+                              </m:r>
+                            </m:e>
+                            <m:sub>
+                              <m:r>
+                                <a:rPr lang="en-US" i="1">
+                                  <a:latin typeface="Cambria Math" panose="02040503050406030204" pitchFamily="18" charset="0"/>
+                                </a:rPr>
+                                <m:t>8</m:t>
+                              </m:r>
+                            </m:sub>
+                          </m:sSub>
+                        </m:e>
+                      </m:acc>
+                      <m:r>
+                        <a:rPr lang="en-US" i="1">
+                          <a:latin typeface="Cambria Math" panose="02040503050406030204" pitchFamily="18" charset="0"/>
+                        </a:rPr>
+                        <m:t>−</m:t>
+                      </m:r>
+                      <m:acc>
+                        <m:accPr>
+                          <m:chr m:val="̇"/>
+                          <m:ctrlPr>
+                            <a:rPr lang="en-US" i="1">
+                              <a:latin typeface="Cambria Math" panose="02040503050406030204" pitchFamily="18" charset="0"/>
+                            </a:rPr>
+                          </m:ctrlPr>
+                        </m:accPr>
+                        <m:e>
+                          <m:sSub>
+                            <m:sSubPr>
+                              <m:ctrlPr>
+                                <a:rPr lang="en-US" i="1">
+                                  <a:latin typeface="Cambria Math" panose="02040503050406030204" pitchFamily="18" charset="0"/>
+                                </a:rPr>
+                              </m:ctrlPr>
+                            </m:sSubPr>
+                            <m:e>
+                              <m:r>
+                                <a:rPr lang="en-US" i="1">
+                                  <a:latin typeface="Cambria Math" panose="02040503050406030204" pitchFamily="18" charset="0"/>
+                                </a:rPr>
+                                <m:t>𝜃</m:t>
+                              </m:r>
+                            </m:e>
+                            <m:sub>
+                              <m:r>
+                                <a:rPr lang="en-US" i="1">
+                                  <a:latin typeface="Cambria Math" panose="02040503050406030204" pitchFamily="18" charset="0"/>
+                                </a:rPr>
+                                <m:t>6</m:t>
+                              </m:r>
+                            </m:sub>
+                          </m:sSub>
+                        </m:e>
+                      </m:acc>
+                      <m:r>
+                        <a:rPr lang="en-US" i="1">
+                          <a:latin typeface="Cambria Math" panose="02040503050406030204" pitchFamily="18" charset="0"/>
+                        </a:rPr>
+                        <m:t>)</m:t>
+                      </m:r>
+                    </m:oMath>
+                  </m:oMathPara>
+                </a14:m>
+                <a:endParaRPr lang="en-US" dirty="0"/>
+              </a:p>
+            </p:txBody>
+          </p:sp>
+        </mc:Choice>
+        <mc:Fallback>
+          <p:sp>
+            <p:nvSpPr>
+              <p:cNvPr id="9" name="TextBox 8">
+                <a:extLst>
+                  <a:ext uri="{FF2B5EF4-FFF2-40B4-BE49-F238E27FC236}">
+                    <a16:creationId xmlns:a16="http://schemas.microsoft.com/office/drawing/2014/main" id="{8D2359C6-C163-472E-9749-71993C72EDE9}"/>
+                  </a:ext>
+                </a:extLst>
+              </p:cNvPr>
+              <p:cNvSpPr txBox="1">
+                <a:spLocks noRot="1" noChangeAspect="1" noMove="1" noResize="1" noEditPoints="1" noAdjustHandles="1" noChangeArrowheads="1" noChangeShapeType="1" noTextEdit="1"/>
+              </p:cNvSpPr>
+              <p:nvPr/>
+            </p:nvSpPr>
+            <p:spPr>
+              <a:xfrm>
+                <a:off x="2720913" y="3000179"/>
+                <a:ext cx="6358919" cy="382156"/>
+              </a:xfrm>
+              <a:prstGeom prst="rect">
+                <a:avLst/>
+              </a:prstGeom>
+              <a:blipFill>
+                <a:blip r:embed="rId6"/>
+                <a:stretch>
+                  <a:fillRect b="-14286"/>
+                </a:stretch>
+              </a:blipFill>
+            </p:spPr>
+            <p:txBody>
+              <a:bodyPr/>
+              <a:lstStyle/>
+              <a:p>
+                <a:r>
+                  <a:rPr lang="en-US">
+                    <a:noFill/>
+                  </a:rPr>
+                  <a:t> </a:t>
+                </a:r>
+              </a:p>
+            </p:txBody>
+          </p:sp>
+        </mc:Fallback>
+      </mc:AlternateContent>
+      <mc:AlternateContent xmlns:mc="http://schemas.openxmlformats.org/markup-compatibility/2006">
+        <mc:Choice xmlns:a14="http://schemas.microsoft.com/office/drawing/2010/main" Requires="a14">
+          <p:sp>
+            <p:nvSpPr>
+              <p:cNvPr id="10" name="TextBox 9">
+                <a:extLst>
+                  <a:ext uri="{FF2B5EF4-FFF2-40B4-BE49-F238E27FC236}">
+                    <a16:creationId xmlns:a16="http://schemas.microsoft.com/office/drawing/2014/main" id="{3DFB6FB1-FB8C-4CE9-9732-D5F64720E1F2}"/>
+                  </a:ext>
+                </a:extLst>
+              </p:cNvPr>
+              <p:cNvSpPr txBox="1"/>
+              <p:nvPr/>
+            </p:nvSpPr>
+            <p:spPr>
+              <a:xfrm>
+                <a:off x="2720913" y="3345083"/>
+                <a:ext cx="6358919" cy="382156"/>
+              </a:xfrm>
+              <a:prstGeom prst="rect">
+                <a:avLst/>
+              </a:prstGeom>
+              <a:noFill/>
+            </p:spPr>
+            <p:txBody>
+              <a:bodyPr wrap="square" rtlCol="0">
+                <a:spAutoFit/>
+              </a:bodyPr>
+              <a:lstStyle/>
+              <a:p>
+                <a:pPr/>
+                <a14:m>
+                  <m:oMathPara xmlns:m="http://schemas.openxmlformats.org/officeDocument/2006/math">
+                    <m:oMathParaPr>
+                      <m:jc m:val="left"/>
+                    </m:oMathParaPr>
+                    <m:oMath xmlns:m="http://schemas.openxmlformats.org/officeDocument/2006/math">
+                      <m:sSub>
+                        <m:sSubPr>
+                          <m:ctrlPr>
+                            <a:rPr lang="en-US" i="1">
+                              <a:latin typeface="Cambria Math" panose="02040503050406030204" pitchFamily="18" charset="0"/>
+                            </a:rPr>
+                          </m:ctrlPr>
+                        </m:sSubPr>
+                        <m:e>
+                          <m:r>
+                            <a:rPr lang="en-US" i="1">
+                              <a:latin typeface="Cambria Math" panose="02040503050406030204" pitchFamily="18" charset="0"/>
+                            </a:rPr>
+                            <m:t>𝑇</m:t>
+                          </m:r>
+                        </m:e>
+                        <m:sub>
+                          <m:r>
+                            <a:rPr lang="en-US" i="1">
+                              <a:latin typeface="Cambria Math" panose="02040503050406030204" pitchFamily="18" charset="0"/>
+                            </a:rPr>
+                            <m:t>𝑚</m:t>
+                          </m:r>
+                          <m:r>
+                            <a:rPr lang="en-US" i="1">
+                              <a:latin typeface="Cambria Math" panose="02040503050406030204" pitchFamily="18" charset="0"/>
+                            </a:rPr>
+                            <m:t>17</m:t>
+                          </m:r>
+                        </m:sub>
+                      </m:sSub>
+                      <m:r>
+                        <a:rPr lang="en-US" i="1">
+                          <a:latin typeface="Cambria Math" panose="02040503050406030204" pitchFamily="18" charset="0"/>
+                        </a:rPr>
+                        <m:t>=</m:t>
+                      </m:r>
+                      <m:d>
+                        <m:dPr>
+                          <m:ctrlPr>
+                            <a:rPr lang="en-US" i="1">
+                              <a:latin typeface="Cambria Math" panose="02040503050406030204" pitchFamily="18" charset="0"/>
+                            </a:rPr>
+                          </m:ctrlPr>
+                        </m:dPr>
+                        <m:e>
+                          <m:sSub>
+                            <m:sSubPr>
+                              <m:ctrlPr>
+                                <a:rPr lang="en-US" i="1">
+                                  <a:latin typeface="Cambria Math" panose="02040503050406030204" pitchFamily="18" charset="0"/>
+                                </a:rPr>
+                              </m:ctrlPr>
+                            </m:sSubPr>
+                            <m:e>
+                              <m:r>
+                                <a:rPr lang="en-US" i="1">
+                                  <a:latin typeface="Cambria Math" panose="02040503050406030204" pitchFamily="18" charset="0"/>
+                                </a:rPr>
+                                <m:t>𝑆</m:t>
+                              </m:r>
+                            </m:e>
+                            <m:sub>
+                              <m:r>
+                                <a:rPr lang="en-US" i="1">
+                                  <a:latin typeface="Cambria Math" panose="02040503050406030204" pitchFamily="18" charset="0"/>
+                                </a:rPr>
+                                <m:t>𝑙𝑜𝑛</m:t>
+                              </m:r>
+                            </m:sub>
+                          </m:sSub>
+                          <m:sSub>
+                            <m:sSubPr>
+                              <m:ctrlPr>
+                                <a:rPr lang="en-US" i="1">
+                                  <a:latin typeface="Cambria Math" panose="02040503050406030204" pitchFamily="18" charset="0"/>
+                                </a:rPr>
+                              </m:ctrlPr>
+                            </m:sSubPr>
+                            <m:e>
+                              <m:r>
+                                <a:rPr lang="en-US" i="1">
+                                  <a:latin typeface="Cambria Math" panose="02040503050406030204" pitchFamily="18" charset="0"/>
+                                </a:rPr>
+                                <m:t>𝑝</m:t>
+                              </m:r>
+                            </m:e>
+                            <m:sub>
+                              <m:r>
+                                <a:rPr lang="en-US" i="1">
+                                  <a:latin typeface="Cambria Math" panose="02040503050406030204" pitchFamily="18" charset="0"/>
+                                </a:rPr>
+                                <m:t>14</m:t>
+                              </m:r>
+                            </m:sub>
+                          </m:sSub>
+                        </m:e>
+                      </m:d>
+                      <m:r>
+                        <a:rPr lang="en-US" i="1">
+                          <a:latin typeface="Cambria Math" panose="02040503050406030204" pitchFamily="18" charset="0"/>
+                        </a:rPr>
+                        <m:t>𝑓</m:t>
+                      </m:r>
+                      <m:d>
+                        <m:dPr>
+                          <m:ctrlPr>
+                            <a:rPr lang="en-US" i="1">
+                              <a:latin typeface="Cambria Math" panose="02040503050406030204" pitchFamily="18" charset="0"/>
+                            </a:rPr>
+                          </m:ctrlPr>
+                        </m:dPr>
+                        <m:e>
+                          <m:sSub>
+                            <m:sSubPr>
+                              <m:ctrlPr>
+                                <a:rPr lang="en-US" i="1">
+                                  <a:latin typeface="Cambria Math" panose="02040503050406030204" pitchFamily="18" charset="0"/>
+                                </a:rPr>
+                              </m:ctrlPr>
+                            </m:sSubPr>
+                            <m:e>
+                              <m:r>
+                                <a:rPr lang="en-US" i="1">
+                                  <a:latin typeface="Cambria Math" panose="02040503050406030204" pitchFamily="18" charset="0"/>
+                                </a:rPr>
+                                <m:t>𝑢</m:t>
+                              </m:r>
+                            </m:e>
+                            <m:sub>
+                              <m:r>
+                                <a:rPr lang="en-US" i="1">
+                                  <a:latin typeface="Cambria Math" panose="02040503050406030204" pitchFamily="18" charset="0"/>
+                                </a:rPr>
+                                <m:t>13</m:t>
+                              </m:r>
+                            </m:sub>
+                          </m:sSub>
+                        </m:e>
+                      </m:d>
+                      <m:r>
+                        <a:rPr lang="en-US" i="1">
+                          <a:latin typeface="Cambria Math" panose="02040503050406030204" pitchFamily="18" charset="0"/>
+                        </a:rPr>
+                        <m:t>+</m:t>
+                      </m:r>
+                      <m:sSub>
+                        <m:sSubPr>
+                          <m:ctrlPr>
+                            <a:rPr lang="en-US" i="1">
+                              <a:latin typeface="Cambria Math" panose="02040503050406030204" pitchFamily="18" charset="0"/>
+                            </a:rPr>
+                          </m:ctrlPr>
+                        </m:sSubPr>
+                        <m:e>
+                          <m:r>
+                            <a:rPr lang="en-US" i="1">
+                              <a:latin typeface="Cambria Math" panose="02040503050406030204" pitchFamily="18" charset="0"/>
+                            </a:rPr>
+                            <m:t>𝑆</m:t>
+                          </m:r>
+                        </m:e>
+                        <m:sub>
+                          <m:r>
+                            <a:rPr lang="en-US" i="1">
+                              <a:latin typeface="Cambria Math" panose="02040503050406030204" pitchFamily="18" charset="0"/>
+                            </a:rPr>
+                            <m:t>𝑙𝑠𝑡</m:t>
+                          </m:r>
+                        </m:sub>
+                      </m:sSub>
+                      <m:sSub>
+                        <m:sSubPr>
+                          <m:ctrlPr>
+                            <a:rPr lang="en-US" i="1">
+                              <a:latin typeface="Cambria Math" panose="02040503050406030204" pitchFamily="18" charset="0"/>
+                            </a:rPr>
+                          </m:ctrlPr>
+                        </m:sSubPr>
+                        <m:e>
+                          <m:r>
+                            <a:rPr lang="en-US" i="1">
+                              <a:latin typeface="Cambria Math" panose="02040503050406030204" pitchFamily="18" charset="0"/>
+                            </a:rPr>
+                            <m:t>𝑝</m:t>
+                          </m:r>
+                        </m:e>
+                        <m:sub>
+                          <m:r>
+                            <a:rPr lang="en-US" i="1">
+                              <a:latin typeface="Cambria Math" panose="02040503050406030204" pitchFamily="18" charset="0"/>
+                            </a:rPr>
+                            <m:t>𝑖</m:t>
+                          </m:r>
+                          <m:r>
+                            <a:rPr lang="en-US" i="1">
+                              <a:latin typeface="Cambria Math" panose="02040503050406030204" pitchFamily="18" charset="0"/>
+                            </a:rPr>
+                            <m:t>7</m:t>
+                          </m:r>
+                        </m:sub>
+                      </m:sSub>
+                      <m:r>
+                        <a:rPr lang="en-US" i="1">
+                          <a:latin typeface="Cambria Math" panose="02040503050406030204" pitchFamily="18" charset="0"/>
+                        </a:rPr>
+                        <m:t>𝑓</m:t>
+                      </m:r>
+                      <m:r>
+                        <a:rPr lang="en-US" i="1">
+                          <a:latin typeface="Cambria Math" panose="02040503050406030204" pitchFamily="18" charset="0"/>
+                        </a:rPr>
+                        <m:t>(</m:t>
+                      </m:r>
+                      <m:acc>
+                        <m:accPr>
+                          <m:chr m:val="̇"/>
+                          <m:ctrlPr>
+                            <a:rPr lang="en-US" i="1">
+                              <a:latin typeface="Cambria Math" panose="02040503050406030204" pitchFamily="18" charset="0"/>
+                            </a:rPr>
+                          </m:ctrlPr>
+                        </m:accPr>
+                        <m:e>
+                          <m:sSub>
+                            <m:sSubPr>
+                              <m:ctrlPr>
+                                <a:rPr lang="en-US" i="1">
+                                  <a:latin typeface="Cambria Math" panose="02040503050406030204" pitchFamily="18" charset="0"/>
+                                </a:rPr>
+                              </m:ctrlPr>
+                            </m:sSubPr>
+                            <m:e>
+                              <m:r>
+                                <a:rPr lang="en-US" i="1">
+                                  <a:latin typeface="Cambria Math" panose="02040503050406030204" pitchFamily="18" charset="0"/>
+                                </a:rPr>
+                                <m:t>𝜃</m:t>
+                              </m:r>
+                            </m:e>
+                            <m:sub>
+                              <m:r>
+                                <a:rPr lang="en-US" i="1">
+                                  <a:latin typeface="Cambria Math" panose="02040503050406030204" pitchFamily="18" charset="0"/>
+                                </a:rPr>
+                                <m:t>8</m:t>
+                              </m:r>
+                            </m:sub>
+                          </m:sSub>
+                        </m:e>
+                      </m:acc>
+                      <m:r>
+                        <a:rPr lang="en-US" i="1">
+                          <a:latin typeface="Cambria Math" panose="02040503050406030204" pitchFamily="18" charset="0"/>
+                        </a:rPr>
+                        <m:t>−</m:t>
+                      </m:r>
+                      <m:acc>
+                        <m:accPr>
+                          <m:chr m:val="̇"/>
+                          <m:ctrlPr>
+                            <a:rPr lang="en-US" i="1">
+                              <a:latin typeface="Cambria Math" panose="02040503050406030204" pitchFamily="18" charset="0"/>
+                            </a:rPr>
+                          </m:ctrlPr>
+                        </m:accPr>
+                        <m:e>
+                          <m:sSub>
+                            <m:sSubPr>
+                              <m:ctrlPr>
+                                <a:rPr lang="en-US" i="1">
+                                  <a:latin typeface="Cambria Math" panose="02040503050406030204" pitchFamily="18" charset="0"/>
+                                </a:rPr>
+                              </m:ctrlPr>
+                            </m:sSubPr>
+                            <m:e>
+                              <m:r>
+                                <a:rPr lang="en-US" i="1">
+                                  <a:latin typeface="Cambria Math" panose="02040503050406030204" pitchFamily="18" charset="0"/>
+                                </a:rPr>
+                                <m:t>𝜃</m:t>
+                              </m:r>
+                            </m:e>
+                            <m:sub>
+                              <m:r>
+                                <a:rPr lang="en-US" i="1">
+                                  <a:latin typeface="Cambria Math" panose="02040503050406030204" pitchFamily="18" charset="0"/>
+                                </a:rPr>
+                                <m:t>6</m:t>
+                              </m:r>
+                            </m:sub>
+                          </m:sSub>
+                        </m:e>
+                      </m:acc>
+                      <m:r>
+                        <a:rPr lang="en-US" i="1">
+                          <a:latin typeface="Cambria Math" panose="02040503050406030204" pitchFamily="18" charset="0"/>
+                        </a:rPr>
+                        <m:t>)</m:t>
+                      </m:r>
+                    </m:oMath>
+                  </m:oMathPara>
+                </a14:m>
+                <a:endParaRPr lang="en-US" dirty="0"/>
+              </a:p>
+            </p:txBody>
+          </p:sp>
+        </mc:Choice>
+        <mc:Fallback>
+          <p:sp>
+            <p:nvSpPr>
+              <p:cNvPr id="10" name="TextBox 9">
+                <a:extLst>
+                  <a:ext uri="{FF2B5EF4-FFF2-40B4-BE49-F238E27FC236}">
+                    <a16:creationId xmlns:a16="http://schemas.microsoft.com/office/drawing/2014/main" id="{3DFB6FB1-FB8C-4CE9-9732-D5F64720E1F2}"/>
+                  </a:ext>
+                </a:extLst>
+              </p:cNvPr>
+              <p:cNvSpPr txBox="1">
+                <a:spLocks noRot="1" noChangeAspect="1" noMove="1" noResize="1" noEditPoints="1" noAdjustHandles="1" noChangeArrowheads="1" noChangeShapeType="1" noTextEdit="1"/>
+              </p:cNvSpPr>
+              <p:nvPr/>
+            </p:nvSpPr>
+            <p:spPr>
+              <a:xfrm>
+                <a:off x="2720913" y="3345083"/>
+                <a:ext cx="6358919" cy="382156"/>
+              </a:xfrm>
+              <a:prstGeom prst="rect">
+                <a:avLst/>
+              </a:prstGeom>
+              <a:blipFill>
+                <a:blip r:embed="rId7"/>
+                <a:stretch>
+                  <a:fillRect b="-14516"/>
+                </a:stretch>
+              </a:blipFill>
+            </p:spPr>
+            <p:txBody>
+              <a:bodyPr/>
+              <a:lstStyle/>
+              <a:p>
+                <a:r>
+                  <a:rPr lang="en-US">
+                    <a:noFill/>
+                  </a:rPr>
+                  <a:t> </a:t>
+                </a:r>
+              </a:p>
+            </p:txBody>
+          </p:sp>
+        </mc:Fallback>
+      </mc:AlternateContent>
+      <mc:AlternateContent xmlns:mc="http://schemas.openxmlformats.org/markup-compatibility/2006">
+        <mc:Choice xmlns:a14="http://schemas.microsoft.com/office/drawing/2010/main" Requires="a14">
+          <p:sp>
+            <p:nvSpPr>
+              <p:cNvPr id="11" name="TextBox 10">
+                <a:extLst>
+                  <a:ext uri="{FF2B5EF4-FFF2-40B4-BE49-F238E27FC236}">
+                    <a16:creationId xmlns:a16="http://schemas.microsoft.com/office/drawing/2014/main" id="{16A8CACD-06E0-453F-B3A0-4A9B5D2175E6}"/>
+                  </a:ext>
+                </a:extLst>
+              </p:cNvPr>
+              <p:cNvSpPr txBox="1"/>
+              <p:nvPr/>
+            </p:nvSpPr>
+            <p:spPr>
+              <a:xfrm>
+                <a:off x="2720913" y="3689988"/>
+                <a:ext cx="6358919" cy="382156"/>
+              </a:xfrm>
+              <a:prstGeom prst="rect">
+                <a:avLst/>
+              </a:prstGeom>
+              <a:noFill/>
+            </p:spPr>
+            <p:txBody>
+              <a:bodyPr wrap="square" rtlCol="0">
+                <a:spAutoFit/>
+              </a:bodyPr>
+              <a:lstStyle/>
+              <a:p>
+                <a:pPr/>
+                <a14:m>
+                  <m:oMathPara xmlns:m="http://schemas.openxmlformats.org/officeDocument/2006/math">
+                    <m:oMathParaPr>
+                      <m:jc m:val="left"/>
+                    </m:oMathParaPr>
+                    <m:oMath xmlns:m="http://schemas.openxmlformats.org/officeDocument/2006/math">
+                      <m:sSub>
+                        <m:sSubPr>
+                          <m:ctrlPr>
+                            <a:rPr lang="en-US" i="1">
+                              <a:latin typeface="Cambria Math" panose="02040503050406030204" pitchFamily="18" charset="0"/>
+                            </a:rPr>
+                          </m:ctrlPr>
+                        </m:sSubPr>
+                        <m:e>
+                          <m:r>
+                            <a:rPr lang="en-US" i="1">
+                              <a:latin typeface="Cambria Math" panose="02040503050406030204" pitchFamily="18" charset="0"/>
+                            </a:rPr>
+                            <m:t>𝑇</m:t>
+                          </m:r>
+                        </m:e>
+                        <m:sub>
+                          <m:r>
+                            <a:rPr lang="en-US" i="1">
+                              <a:latin typeface="Cambria Math" panose="02040503050406030204" pitchFamily="18" charset="0"/>
+                            </a:rPr>
+                            <m:t>𝑚</m:t>
+                          </m:r>
+                          <m:r>
+                            <a:rPr lang="en-US" i="1">
+                              <a:latin typeface="Cambria Math" panose="02040503050406030204" pitchFamily="18" charset="0"/>
+                            </a:rPr>
+                            <m:t>17</m:t>
+                          </m:r>
+                        </m:sub>
+                      </m:sSub>
+                      <m:r>
+                        <a:rPr lang="en-US" i="1">
+                          <a:latin typeface="Cambria Math" panose="02040503050406030204" pitchFamily="18" charset="0"/>
+                        </a:rPr>
+                        <m:t>=</m:t>
+                      </m:r>
+                      <m:d>
+                        <m:dPr>
+                          <m:ctrlPr>
+                            <a:rPr lang="en-US" i="1">
+                              <a:latin typeface="Cambria Math" panose="02040503050406030204" pitchFamily="18" charset="0"/>
+                            </a:rPr>
+                          </m:ctrlPr>
+                        </m:dPr>
+                        <m:e>
+                          <m:sSub>
+                            <m:sSubPr>
+                              <m:ctrlPr>
+                                <a:rPr lang="en-US" i="1">
+                                  <a:latin typeface="Cambria Math" panose="02040503050406030204" pitchFamily="18" charset="0"/>
+                                </a:rPr>
+                              </m:ctrlPr>
+                            </m:sSubPr>
+                            <m:e>
+                              <m:r>
+                                <a:rPr lang="en-US" i="1">
+                                  <a:latin typeface="Cambria Math" panose="02040503050406030204" pitchFamily="18" charset="0"/>
+                                </a:rPr>
+                                <m:t>𝑆</m:t>
+                              </m:r>
+                            </m:e>
+                            <m:sub>
+                              <m:r>
+                                <a:rPr lang="en-US" i="1">
+                                  <a:latin typeface="Cambria Math" panose="02040503050406030204" pitchFamily="18" charset="0"/>
+                                </a:rPr>
+                                <m:t>𝑙𝑜𝑛</m:t>
+                              </m:r>
+                            </m:sub>
+                          </m:sSub>
+                          <m:sSub>
+                            <m:sSubPr>
+                              <m:ctrlPr>
+                                <a:rPr lang="en-US" i="1">
+                                  <a:latin typeface="Cambria Math" panose="02040503050406030204" pitchFamily="18" charset="0"/>
+                                </a:rPr>
+                              </m:ctrlPr>
+                            </m:sSubPr>
+                            <m:e>
+                              <m:r>
+                                <a:rPr lang="en-US" i="1">
+                                  <a:latin typeface="Cambria Math" panose="02040503050406030204" pitchFamily="18" charset="0"/>
+                                </a:rPr>
+                                <m:t>𝑝</m:t>
+                              </m:r>
+                            </m:e>
+                            <m:sub>
+                              <m:r>
+                                <a:rPr lang="en-US" i="1">
+                                  <a:latin typeface="Cambria Math" panose="02040503050406030204" pitchFamily="18" charset="0"/>
+                                </a:rPr>
+                                <m:t>14</m:t>
+                              </m:r>
+                            </m:sub>
+                          </m:sSub>
+                        </m:e>
+                      </m:d>
+                      <m:r>
+                        <a:rPr lang="en-US" i="1">
+                          <a:latin typeface="Cambria Math" panose="02040503050406030204" pitchFamily="18" charset="0"/>
+                        </a:rPr>
+                        <m:t>𝑓</m:t>
+                      </m:r>
+                      <m:d>
+                        <m:dPr>
+                          <m:ctrlPr>
+                            <a:rPr lang="en-US" i="1">
+                              <a:latin typeface="Cambria Math" panose="02040503050406030204" pitchFamily="18" charset="0"/>
+                            </a:rPr>
+                          </m:ctrlPr>
+                        </m:dPr>
+                        <m:e>
+                          <m:sSub>
+                            <m:sSubPr>
+                              <m:ctrlPr>
+                                <a:rPr lang="en-US" i="1">
+                                  <a:latin typeface="Cambria Math" panose="02040503050406030204" pitchFamily="18" charset="0"/>
+                                </a:rPr>
+                              </m:ctrlPr>
+                            </m:sSubPr>
+                            <m:e>
+                              <m:r>
+                                <a:rPr lang="en-US" i="1">
+                                  <a:latin typeface="Cambria Math" panose="02040503050406030204" pitchFamily="18" charset="0"/>
+                                </a:rPr>
+                                <m:t>𝑢</m:t>
+                              </m:r>
+                            </m:e>
+                            <m:sub>
+                              <m:r>
+                                <a:rPr lang="en-US" i="1">
+                                  <a:latin typeface="Cambria Math" panose="02040503050406030204" pitchFamily="18" charset="0"/>
+                                </a:rPr>
+                                <m:t>13</m:t>
+                              </m:r>
+                            </m:sub>
+                          </m:sSub>
+                        </m:e>
+                      </m:d>
+                      <m:r>
+                        <a:rPr lang="en-US" i="1">
+                          <a:latin typeface="Cambria Math" panose="02040503050406030204" pitchFamily="18" charset="0"/>
+                        </a:rPr>
+                        <m:t>+</m:t>
+                      </m:r>
+                      <m:sSub>
+                        <m:sSubPr>
+                          <m:ctrlPr>
+                            <a:rPr lang="en-US" i="1">
+                              <a:latin typeface="Cambria Math" panose="02040503050406030204" pitchFamily="18" charset="0"/>
+                            </a:rPr>
+                          </m:ctrlPr>
+                        </m:sSubPr>
+                        <m:e>
+                          <m:r>
+                            <a:rPr lang="en-US" i="1">
+                              <a:latin typeface="Cambria Math" panose="02040503050406030204" pitchFamily="18" charset="0"/>
+                            </a:rPr>
+                            <m:t>𝑆</m:t>
+                          </m:r>
+                        </m:e>
+                        <m:sub>
+                          <m:r>
+                            <a:rPr lang="en-US" i="1">
+                              <a:latin typeface="Cambria Math" panose="02040503050406030204" pitchFamily="18" charset="0"/>
+                            </a:rPr>
+                            <m:t>𝑙𝑠𝑡</m:t>
+                          </m:r>
+                        </m:sub>
+                      </m:sSub>
+                      <m:sSub>
+                        <m:sSubPr>
+                          <m:ctrlPr>
+                            <a:rPr lang="en-US" i="1">
+                              <a:latin typeface="Cambria Math" panose="02040503050406030204" pitchFamily="18" charset="0"/>
+                            </a:rPr>
+                          </m:ctrlPr>
+                        </m:sSubPr>
+                        <m:e>
+                          <m:r>
+                            <a:rPr lang="en-US" i="1">
+                              <a:latin typeface="Cambria Math" panose="02040503050406030204" pitchFamily="18" charset="0"/>
+                            </a:rPr>
+                            <m:t>𝑝</m:t>
+                          </m:r>
+                        </m:e>
+                        <m:sub>
+                          <m:r>
+                            <a:rPr lang="en-US" i="1">
+                              <a:latin typeface="Cambria Math" panose="02040503050406030204" pitchFamily="18" charset="0"/>
+                            </a:rPr>
+                            <m:t>𝑖</m:t>
+                          </m:r>
+                          <m:r>
+                            <a:rPr lang="en-US" i="1">
+                              <a:latin typeface="Cambria Math" panose="02040503050406030204" pitchFamily="18" charset="0"/>
+                            </a:rPr>
+                            <m:t>7</m:t>
+                          </m:r>
+                        </m:sub>
+                      </m:sSub>
+                      <m:r>
+                        <a:rPr lang="en-US" i="1">
+                          <a:latin typeface="Cambria Math" panose="02040503050406030204" pitchFamily="18" charset="0"/>
+                        </a:rPr>
+                        <m:t>𝑓</m:t>
+                      </m:r>
+                      <m:r>
+                        <a:rPr lang="en-US" i="1">
+                          <a:latin typeface="Cambria Math" panose="02040503050406030204" pitchFamily="18" charset="0"/>
+                        </a:rPr>
+                        <m:t>(</m:t>
+                      </m:r>
+                      <m:acc>
+                        <m:accPr>
+                          <m:chr m:val="̇"/>
+                          <m:ctrlPr>
+                            <a:rPr lang="en-US" i="1">
+                              <a:latin typeface="Cambria Math" panose="02040503050406030204" pitchFamily="18" charset="0"/>
+                            </a:rPr>
+                          </m:ctrlPr>
+                        </m:accPr>
+                        <m:e>
+                          <m:sSub>
+                            <m:sSubPr>
+                              <m:ctrlPr>
+                                <a:rPr lang="en-US" i="1">
+                                  <a:latin typeface="Cambria Math" panose="02040503050406030204" pitchFamily="18" charset="0"/>
+                                </a:rPr>
+                              </m:ctrlPr>
+                            </m:sSubPr>
+                            <m:e>
+                              <m:r>
+                                <a:rPr lang="en-US" i="1">
+                                  <a:latin typeface="Cambria Math" panose="02040503050406030204" pitchFamily="18" charset="0"/>
+                                </a:rPr>
+                                <m:t>𝜃</m:t>
+                              </m:r>
+                            </m:e>
+                            <m:sub>
+                              <m:r>
+                                <a:rPr lang="en-US" i="1">
+                                  <a:latin typeface="Cambria Math" panose="02040503050406030204" pitchFamily="18" charset="0"/>
+                                </a:rPr>
+                                <m:t>8</m:t>
+                              </m:r>
+                            </m:sub>
+                          </m:sSub>
+                        </m:e>
+                      </m:acc>
+                      <m:r>
+                        <a:rPr lang="en-US" i="1">
+                          <a:latin typeface="Cambria Math" panose="02040503050406030204" pitchFamily="18" charset="0"/>
+                        </a:rPr>
+                        <m:t>−</m:t>
+                      </m:r>
+                      <m:acc>
+                        <m:accPr>
+                          <m:chr m:val="̇"/>
+                          <m:ctrlPr>
+                            <a:rPr lang="en-US" i="1">
+                              <a:latin typeface="Cambria Math" panose="02040503050406030204" pitchFamily="18" charset="0"/>
+                            </a:rPr>
+                          </m:ctrlPr>
+                        </m:accPr>
+                        <m:e>
+                          <m:sSub>
+                            <m:sSubPr>
+                              <m:ctrlPr>
+                                <a:rPr lang="en-US" i="1">
+                                  <a:latin typeface="Cambria Math" panose="02040503050406030204" pitchFamily="18" charset="0"/>
+                                </a:rPr>
+                              </m:ctrlPr>
+                            </m:sSubPr>
+                            <m:e>
+                              <m:r>
+                                <a:rPr lang="en-US" i="1">
+                                  <a:latin typeface="Cambria Math" panose="02040503050406030204" pitchFamily="18" charset="0"/>
+                                </a:rPr>
+                                <m:t>𝜃</m:t>
+                              </m:r>
+                            </m:e>
+                            <m:sub>
+                              <m:r>
+                                <a:rPr lang="en-US" i="1">
+                                  <a:latin typeface="Cambria Math" panose="02040503050406030204" pitchFamily="18" charset="0"/>
+                                </a:rPr>
+                                <m:t>6</m:t>
+                              </m:r>
+                            </m:sub>
+                          </m:sSub>
+                        </m:e>
+                      </m:acc>
+                      <m:r>
+                        <a:rPr lang="en-US" i="1">
+                          <a:latin typeface="Cambria Math" panose="02040503050406030204" pitchFamily="18" charset="0"/>
+                        </a:rPr>
+                        <m:t>)</m:t>
+                      </m:r>
+                    </m:oMath>
+                  </m:oMathPara>
+                </a14:m>
+                <a:endParaRPr lang="en-US" dirty="0"/>
+              </a:p>
+            </p:txBody>
+          </p:sp>
+        </mc:Choice>
+        <mc:Fallback>
+          <p:sp>
+            <p:nvSpPr>
+              <p:cNvPr id="11" name="TextBox 10">
+                <a:extLst>
+                  <a:ext uri="{FF2B5EF4-FFF2-40B4-BE49-F238E27FC236}">
+                    <a16:creationId xmlns:a16="http://schemas.microsoft.com/office/drawing/2014/main" id="{16A8CACD-06E0-453F-B3A0-4A9B5D2175E6}"/>
+                  </a:ext>
+                </a:extLst>
+              </p:cNvPr>
+              <p:cNvSpPr txBox="1">
+                <a:spLocks noRot="1" noChangeAspect="1" noMove="1" noResize="1" noEditPoints="1" noAdjustHandles="1" noChangeArrowheads="1" noChangeShapeType="1" noTextEdit="1"/>
+              </p:cNvSpPr>
+              <p:nvPr/>
+            </p:nvSpPr>
+            <p:spPr>
+              <a:xfrm>
+                <a:off x="2720913" y="3689988"/>
+                <a:ext cx="6358919" cy="382156"/>
+              </a:xfrm>
+              <a:prstGeom prst="rect">
+                <a:avLst/>
+              </a:prstGeom>
+              <a:blipFill>
+                <a:blip r:embed="rId8"/>
+                <a:stretch>
+                  <a:fillRect b="-14286"/>
+                </a:stretch>
+              </a:blipFill>
+            </p:spPr>
+            <p:txBody>
+              <a:bodyPr/>
+              <a:lstStyle/>
+              <a:p>
+                <a:r>
+                  <a:rPr lang="en-US">
+                    <a:noFill/>
+                  </a:rPr>
+                  <a:t> </a:t>
+                </a:r>
+              </a:p>
+            </p:txBody>
+          </p:sp>
+        </mc:Fallback>
+      </mc:AlternateContent>
+      <p:sp>
+        <p:nvSpPr>
+          <p:cNvPr id="12" name="TextBox 11">
+            <a:extLst>
+              <a:ext uri="{FF2B5EF4-FFF2-40B4-BE49-F238E27FC236}">
+                <a16:creationId xmlns:a16="http://schemas.microsoft.com/office/drawing/2014/main" id="{7324282C-9A1C-4DDA-86A9-04C50F6A4D42}"/>
+              </a:ext>
+            </a:extLst>
+          </p:cNvPr>
+          <p:cNvSpPr txBox="1"/>
+          <p:nvPr/>
+        </p:nvSpPr>
+        <p:spPr>
+          <a:xfrm>
+            <a:off x="1708484" y="1785781"/>
+            <a:ext cx="1012429" cy="369332"/>
+          </a:xfrm>
+          <a:prstGeom prst="rect">
+            <a:avLst/>
+          </a:prstGeom>
+          <a:noFill/>
+        </p:spPr>
+        <p:txBody>
+          <a:bodyPr wrap="square" rtlCol="0">
+            <a:spAutoFit/>
+          </a:bodyPr>
+          <a:lstStyle/>
+          <a:p>
+            <a:r>
+              <a:rPr lang="en-US" dirty="0">
+                <a:solidFill>
+                  <a:srgbClr val="0070C0"/>
+                </a:solidFill>
+              </a:rPr>
+              <a:t>Stage 1</a:t>
+            </a:r>
+          </a:p>
+        </p:txBody>
+      </p:sp>
+      <p:sp>
+        <p:nvSpPr>
+          <p:cNvPr id="13" name="TextBox 12">
+            <a:extLst>
+              <a:ext uri="{FF2B5EF4-FFF2-40B4-BE49-F238E27FC236}">
+                <a16:creationId xmlns:a16="http://schemas.microsoft.com/office/drawing/2014/main" id="{0E0CC891-8D32-42DF-BA1E-3A0FA813601F}"/>
+              </a:ext>
+            </a:extLst>
+          </p:cNvPr>
+          <p:cNvSpPr txBox="1"/>
+          <p:nvPr/>
+        </p:nvSpPr>
+        <p:spPr>
+          <a:xfrm>
+            <a:off x="1708484" y="2215060"/>
+            <a:ext cx="1012429" cy="369332"/>
+          </a:xfrm>
+          <a:prstGeom prst="rect">
+            <a:avLst/>
+          </a:prstGeom>
+          <a:noFill/>
+        </p:spPr>
+        <p:txBody>
+          <a:bodyPr wrap="square" rtlCol="0">
+            <a:spAutoFit/>
+          </a:bodyPr>
+          <a:lstStyle/>
+          <a:p>
+            <a:r>
+              <a:rPr lang="en-US" dirty="0">
+                <a:solidFill>
+                  <a:srgbClr val="FF0000"/>
+                </a:solidFill>
+              </a:rPr>
+              <a:t>Stage 2</a:t>
+            </a:r>
+          </a:p>
+        </p:txBody>
+      </p:sp>
+      <p:sp>
+        <p:nvSpPr>
+          <p:cNvPr id="14" name="TextBox 13">
+            <a:extLst>
+              <a:ext uri="{FF2B5EF4-FFF2-40B4-BE49-F238E27FC236}">
+                <a16:creationId xmlns:a16="http://schemas.microsoft.com/office/drawing/2014/main" id="{E05F1766-1FC2-4454-A65E-39D4C18D514F}"/>
+              </a:ext>
+            </a:extLst>
+          </p:cNvPr>
+          <p:cNvSpPr txBox="1"/>
+          <p:nvPr/>
+        </p:nvSpPr>
+        <p:spPr>
+          <a:xfrm>
+            <a:off x="1708484" y="2633195"/>
+            <a:ext cx="1012429" cy="369332"/>
+          </a:xfrm>
+          <a:prstGeom prst="rect">
+            <a:avLst/>
+          </a:prstGeom>
+          <a:noFill/>
+        </p:spPr>
+        <p:txBody>
+          <a:bodyPr wrap="square" rtlCol="0">
+            <a:spAutoFit/>
+          </a:bodyPr>
+          <a:lstStyle/>
+          <a:p>
+            <a:r>
+              <a:rPr lang="en-US" dirty="0">
+                <a:solidFill>
+                  <a:srgbClr val="FF0000"/>
+                </a:solidFill>
+              </a:rPr>
+              <a:t>Stage 3</a:t>
+            </a:r>
+          </a:p>
+        </p:txBody>
+      </p:sp>
+      <p:sp>
+        <p:nvSpPr>
+          <p:cNvPr id="15" name="TextBox 14">
+            <a:extLst>
+              <a:ext uri="{FF2B5EF4-FFF2-40B4-BE49-F238E27FC236}">
+                <a16:creationId xmlns:a16="http://schemas.microsoft.com/office/drawing/2014/main" id="{D1BCB830-EE2F-4571-8B26-3C125E92CF43}"/>
+              </a:ext>
+            </a:extLst>
+          </p:cNvPr>
+          <p:cNvSpPr txBox="1"/>
+          <p:nvPr/>
+        </p:nvSpPr>
+        <p:spPr>
+          <a:xfrm>
+            <a:off x="1708484" y="3034983"/>
+            <a:ext cx="1012429" cy="369332"/>
+          </a:xfrm>
+          <a:prstGeom prst="rect">
+            <a:avLst/>
+          </a:prstGeom>
+          <a:noFill/>
+        </p:spPr>
+        <p:txBody>
+          <a:bodyPr wrap="square" rtlCol="0">
+            <a:spAutoFit/>
+          </a:bodyPr>
+          <a:lstStyle/>
+          <a:p>
+            <a:r>
+              <a:rPr lang="en-US" dirty="0">
+                <a:solidFill>
+                  <a:srgbClr val="0070C0"/>
+                </a:solidFill>
+              </a:rPr>
+              <a:t>Stage 4</a:t>
+            </a:r>
+          </a:p>
+        </p:txBody>
+      </p:sp>
+      <p:sp>
+        <p:nvSpPr>
+          <p:cNvPr id="16" name="TextBox 15">
+            <a:extLst>
+              <a:ext uri="{FF2B5EF4-FFF2-40B4-BE49-F238E27FC236}">
+                <a16:creationId xmlns:a16="http://schemas.microsoft.com/office/drawing/2014/main" id="{A3D72D43-84AB-4792-BFA5-BC3E690001C1}"/>
+              </a:ext>
+            </a:extLst>
+          </p:cNvPr>
+          <p:cNvSpPr txBox="1"/>
+          <p:nvPr/>
+        </p:nvSpPr>
+        <p:spPr>
+          <a:xfrm>
+            <a:off x="1708484" y="3379154"/>
+            <a:ext cx="1012429" cy="369332"/>
+          </a:xfrm>
+          <a:prstGeom prst="rect">
+            <a:avLst/>
+          </a:prstGeom>
+          <a:noFill/>
+        </p:spPr>
+        <p:txBody>
+          <a:bodyPr wrap="square" rtlCol="0">
+            <a:spAutoFit/>
+          </a:bodyPr>
+          <a:lstStyle/>
+          <a:p>
+            <a:r>
+              <a:rPr lang="en-US" dirty="0">
+                <a:solidFill>
+                  <a:srgbClr val="0070C0"/>
+                </a:solidFill>
+              </a:rPr>
+              <a:t>Stage 5</a:t>
+            </a:r>
+          </a:p>
+        </p:txBody>
+      </p:sp>
+      <p:sp>
+        <p:nvSpPr>
+          <p:cNvPr id="17" name="TextBox 16">
+            <a:extLst>
+              <a:ext uri="{FF2B5EF4-FFF2-40B4-BE49-F238E27FC236}">
+                <a16:creationId xmlns:a16="http://schemas.microsoft.com/office/drawing/2014/main" id="{84BF15E3-AD53-429D-ADFA-9DA71FA25A15}"/>
+              </a:ext>
+            </a:extLst>
+          </p:cNvPr>
+          <p:cNvSpPr txBox="1"/>
+          <p:nvPr/>
+        </p:nvSpPr>
+        <p:spPr>
+          <a:xfrm>
+            <a:off x="1708484" y="3750938"/>
+            <a:ext cx="1012429" cy="369332"/>
+          </a:xfrm>
+          <a:prstGeom prst="rect">
+            <a:avLst/>
+          </a:prstGeom>
+          <a:noFill/>
+        </p:spPr>
+        <p:txBody>
+          <a:bodyPr wrap="square" rtlCol="0">
+            <a:spAutoFit/>
+          </a:bodyPr>
+          <a:lstStyle/>
+          <a:p>
+            <a:r>
+              <a:rPr lang="en-US" dirty="0">
+                <a:solidFill>
+                  <a:srgbClr val="0070C0"/>
+                </a:solidFill>
+              </a:rPr>
+              <a:t>Stage 6</a:t>
+            </a:r>
+          </a:p>
+        </p:txBody>
+      </p:sp>
+      <p:sp>
+        <p:nvSpPr>
+          <p:cNvPr id="31" name="TextBox 30">
+            <a:extLst>
+              <a:ext uri="{FF2B5EF4-FFF2-40B4-BE49-F238E27FC236}">
+                <a16:creationId xmlns:a16="http://schemas.microsoft.com/office/drawing/2014/main" id="{EC2E86B0-8798-4072-8D63-2C20BF60F0F3}"/>
+              </a:ext>
+            </a:extLst>
+          </p:cNvPr>
+          <p:cNvSpPr txBox="1"/>
+          <p:nvPr/>
+        </p:nvSpPr>
+        <p:spPr>
+          <a:xfrm>
+            <a:off x="2767263" y="1384602"/>
+            <a:ext cx="2438400" cy="369332"/>
+          </a:xfrm>
+          <a:prstGeom prst="rect">
+            <a:avLst/>
+          </a:prstGeom>
+          <a:noFill/>
+        </p:spPr>
+        <p:txBody>
+          <a:bodyPr wrap="square" rtlCol="0">
+            <a:spAutoFit/>
+          </a:bodyPr>
+          <a:lstStyle/>
+          <a:p>
+            <a:r>
+              <a:rPr lang="en-US" dirty="0"/>
+              <a:t>Normal</a:t>
+            </a:r>
+          </a:p>
+        </p:txBody>
+      </p:sp>
+      <p:sp>
+        <p:nvSpPr>
+          <p:cNvPr id="32" name="TextBox 31">
+            <a:extLst>
+              <a:ext uri="{FF2B5EF4-FFF2-40B4-BE49-F238E27FC236}">
+                <a16:creationId xmlns:a16="http://schemas.microsoft.com/office/drawing/2014/main" id="{5E5050E5-3E63-4C5B-8E1D-100E0AD1FCA0}"/>
+              </a:ext>
+            </a:extLst>
+          </p:cNvPr>
+          <p:cNvSpPr txBox="1"/>
+          <p:nvPr/>
+        </p:nvSpPr>
+        <p:spPr>
+          <a:xfrm>
+            <a:off x="473242" y="2450096"/>
+            <a:ext cx="1628274" cy="369332"/>
+          </a:xfrm>
+          <a:prstGeom prst="rect">
+            <a:avLst/>
+          </a:prstGeom>
+          <a:noFill/>
+        </p:spPr>
+        <p:txBody>
+          <a:bodyPr wrap="square" rtlCol="0">
+            <a:spAutoFit/>
+          </a:bodyPr>
+          <a:lstStyle/>
+          <a:p>
+            <a:r>
+              <a:rPr lang="en-US" dirty="0">
+                <a:solidFill>
+                  <a:srgbClr val="FF0000"/>
+                </a:solidFill>
+              </a:rPr>
+              <a:t>Stance</a:t>
+            </a:r>
+          </a:p>
+        </p:txBody>
+      </p:sp>
+      <p:sp>
+        <p:nvSpPr>
+          <p:cNvPr id="33" name="TextBox 32">
+            <a:extLst>
+              <a:ext uri="{FF2B5EF4-FFF2-40B4-BE49-F238E27FC236}">
+                <a16:creationId xmlns:a16="http://schemas.microsoft.com/office/drawing/2014/main" id="{BE8F2445-D954-4C7C-BA1A-CE721B78B72C}"/>
+              </a:ext>
+            </a:extLst>
+          </p:cNvPr>
+          <p:cNvSpPr txBox="1"/>
+          <p:nvPr/>
+        </p:nvSpPr>
+        <p:spPr>
+          <a:xfrm>
+            <a:off x="473242" y="3521242"/>
+            <a:ext cx="1443790" cy="369332"/>
+          </a:xfrm>
+          <a:prstGeom prst="rect">
+            <a:avLst/>
+          </a:prstGeom>
+          <a:noFill/>
+        </p:spPr>
+        <p:txBody>
+          <a:bodyPr wrap="square" rtlCol="0">
+            <a:spAutoFit/>
+          </a:bodyPr>
+          <a:lstStyle/>
+          <a:p>
+            <a:r>
+              <a:rPr lang="en-US" dirty="0">
+                <a:solidFill>
+                  <a:srgbClr val="0070C0"/>
+                </a:solidFill>
+              </a:rPr>
+              <a:t>Swing</a:t>
+            </a:r>
+          </a:p>
+        </p:txBody>
+      </p:sp>
+    </p:spTree>
+    <p:extLst>
+      <p:ext uri="{BB962C8B-B14F-4D97-AF65-F5344CB8AC3E}">
+        <p14:creationId xmlns:p14="http://schemas.microsoft.com/office/powerpoint/2010/main" val="3674385122"/>
+      </p:ext>
+    </p:extLst>
+  </p:cSld>
+  <p:clrMapOvr>
+    <a:masterClrMapping/>
+  </p:clrMapOvr>
+</p:sld>
+</file>
+
 <file path=ppt/slides/slide2.xml><?xml version="1.0" encoding="utf-8"?>
 <p:sld xmlns:a="http://schemas.openxmlformats.org/drawingml/2006/main" xmlns:r="http://schemas.openxmlformats.org/officeDocument/2006/relationships" xmlns:p="http://schemas.openxmlformats.org/presentationml/2006/main">
   <p:cSld>
@@ -5604,8 +8506,8 @@
           </a:p>
         </p:txBody>
       </p:sp>
-      <mc:AlternateContent xmlns:mc="http://schemas.openxmlformats.org/markup-compatibility/2006">
-        <mc:Choice xmlns:a14="http://schemas.microsoft.com/office/drawing/2010/main" Requires="a14">
+      <mc:AlternateContent xmlns:mc="http://schemas.openxmlformats.org/markup-compatibility/2006" xmlns:a14="http://schemas.microsoft.com/office/drawing/2010/main">
+        <mc:Choice Requires="a14">
           <p:sp>
             <p:nvSpPr>
               <p:cNvPr id="10" name="TextBox 9">
@@ -5736,7 +8638,7 @@
             </p:txBody>
           </p:sp>
         </mc:Choice>
-        <mc:Fallback>
+        <mc:Fallback xmlns="">
           <p:sp>
             <p:nvSpPr>
               <p:cNvPr id="10" name="TextBox 9">
@@ -10866,8 +13768,8 @@
           </a:p>
         </p:txBody>
       </p:sp>
-      <mc:AlternateContent xmlns:mc="http://schemas.openxmlformats.org/markup-compatibility/2006">
-        <mc:Choice xmlns:a14="http://schemas.microsoft.com/office/drawing/2010/main" Requires="a14">
+      <mc:AlternateContent xmlns:mc="http://schemas.openxmlformats.org/markup-compatibility/2006" xmlns:a14="http://schemas.microsoft.com/office/drawing/2010/main">
+        <mc:Choice Requires="a14">
           <p:sp>
             <p:nvSpPr>
               <p:cNvPr id="5" name="TextBox 4">
@@ -11267,7 +14169,7 @@
             </p:txBody>
           </p:sp>
         </mc:Choice>
-        <mc:Fallback>
+        <mc:Fallback xmlns="">
           <p:sp>
             <p:nvSpPr>
               <p:cNvPr id="5" name="TextBox 4">
@@ -11312,8 +14214,8 @@
           </p:sp>
         </mc:Fallback>
       </mc:AlternateContent>
-      <mc:AlternateContent xmlns:mc="http://schemas.openxmlformats.org/markup-compatibility/2006">
-        <mc:Choice xmlns:a14="http://schemas.microsoft.com/office/drawing/2010/main" Requires="a14">
+      <mc:AlternateContent xmlns:mc="http://schemas.openxmlformats.org/markup-compatibility/2006" xmlns:a14="http://schemas.microsoft.com/office/drawing/2010/main">
+        <mc:Choice Requires="a14">
           <p:sp>
             <p:nvSpPr>
               <p:cNvPr id="6" name="TextBox 5">
@@ -11657,7 +14559,7 @@
             </p:txBody>
           </p:sp>
         </mc:Choice>
-        <mc:Fallback>
+        <mc:Fallback xmlns="">
           <p:sp>
             <p:nvSpPr>
               <p:cNvPr id="6" name="TextBox 5">
@@ -11702,8 +14604,8 @@
           </p:sp>
         </mc:Fallback>
       </mc:AlternateContent>
-      <mc:AlternateContent xmlns:mc="http://schemas.openxmlformats.org/markup-compatibility/2006">
-        <mc:Choice xmlns:a14="http://schemas.microsoft.com/office/drawing/2010/main" Requires="a14">
+      <mc:AlternateContent xmlns:mc="http://schemas.openxmlformats.org/markup-compatibility/2006" xmlns:a14="http://schemas.microsoft.com/office/drawing/2010/main">
+        <mc:Choice Requires="a14">
           <p:sp>
             <p:nvSpPr>
               <p:cNvPr id="7" name="TextBox 6">
@@ -12047,7 +14949,7 @@
             </p:txBody>
           </p:sp>
         </mc:Choice>
-        <mc:Fallback>
+        <mc:Fallback xmlns="">
           <p:sp>
             <p:nvSpPr>
               <p:cNvPr id="7" name="TextBox 6">
@@ -12092,8 +14994,8 @@
           </p:sp>
         </mc:Fallback>
       </mc:AlternateContent>
-      <mc:AlternateContent xmlns:mc="http://schemas.openxmlformats.org/markup-compatibility/2006">
-        <mc:Choice xmlns:a14="http://schemas.microsoft.com/office/drawing/2010/main" Requires="a14">
+      <mc:AlternateContent xmlns:mc="http://schemas.openxmlformats.org/markup-compatibility/2006" xmlns:a14="http://schemas.microsoft.com/office/drawing/2010/main">
+        <mc:Choice Requires="a14">
           <p:sp>
             <p:nvSpPr>
               <p:cNvPr id="8" name="TextBox 7">
@@ -12437,7 +15339,7 @@
             </p:txBody>
           </p:sp>
         </mc:Choice>
-        <mc:Fallback>
+        <mc:Fallback xmlns="">
           <p:sp>
             <p:nvSpPr>
               <p:cNvPr id="8" name="TextBox 7">
@@ -12482,8 +15384,8 @@
           </p:sp>
         </mc:Fallback>
       </mc:AlternateContent>
-      <mc:AlternateContent xmlns:mc="http://schemas.openxmlformats.org/markup-compatibility/2006">
-        <mc:Choice xmlns:a14="http://schemas.microsoft.com/office/drawing/2010/main" Requires="a14">
+      <mc:AlternateContent xmlns:mc="http://schemas.openxmlformats.org/markup-compatibility/2006" xmlns:a14="http://schemas.microsoft.com/office/drawing/2010/main">
+        <mc:Choice Requires="a14">
           <p:sp>
             <p:nvSpPr>
               <p:cNvPr id="9" name="TextBox 8">
@@ -12667,7 +15569,7 @@
             </p:txBody>
           </p:sp>
         </mc:Choice>
-        <mc:Fallback>
+        <mc:Fallback xmlns="">
           <p:sp>
             <p:nvSpPr>
               <p:cNvPr id="9" name="TextBox 8">
@@ -12712,8 +15614,8 @@
           </p:sp>
         </mc:Fallback>
       </mc:AlternateContent>
-      <mc:AlternateContent xmlns:mc="http://schemas.openxmlformats.org/markup-compatibility/2006">
-        <mc:Choice xmlns:a14="http://schemas.microsoft.com/office/drawing/2010/main" Requires="a14">
+      <mc:AlternateContent xmlns:mc="http://schemas.openxmlformats.org/markup-compatibility/2006" xmlns:a14="http://schemas.microsoft.com/office/drawing/2010/main">
+        <mc:Choice Requires="a14">
           <p:sp>
             <p:nvSpPr>
               <p:cNvPr id="10" name="TextBox 9">
@@ -12897,7 +15799,7 @@
             </p:txBody>
           </p:sp>
         </mc:Choice>
-        <mc:Fallback>
+        <mc:Fallback xmlns="">
           <p:sp>
             <p:nvSpPr>
               <p:cNvPr id="10" name="TextBox 9">
@@ -12942,8 +15844,8 @@
           </p:sp>
         </mc:Fallback>
       </mc:AlternateContent>
-      <mc:AlternateContent xmlns:mc="http://schemas.openxmlformats.org/markup-compatibility/2006">
-        <mc:Choice xmlns:a14="http://schemas.microsoft.com/office/drawing/2010/main" Requires="a14">
+      <mc:AlternateContent xmlns:mc="http://schemas.openxmlformats.org/markup-compatibility/2006" xmlns:a14="http://schemas.microsoft.com/office/drawing/2010/main">
+        <mc:Choice Requires="a14">
           <p:sp>
             <p:nvSpPr>
               <p:cNvPr id="11" name="TextBox 10">
@@ -13127,7 +16029,7 @@
             </p:txBody>
           </p:sp>
         </mc:Choice>
-        <mc:Fallback>
+        <mc:Fallback xmlns="">
           <p:sp>
             <p:nvSpPr>
               <p:cNvPr id="11" name="TextBox 10">
@@ -13402,1265 +16304,6 @@
                 </a:solidFill>
               </a:rPr>
               <a:t>Stage 6</a:t>
-            </a:r>
-          </a:p>
-        </p:txBody>
-      </p:sp>
-      <mc:AlternateContent xmlns:mc="http://schemas.openxmlformats.org/markup-compatibility/2006">
-        <mc:Choice xmlns:a14="http://schemas.microsoft.com/office/drawing/2010/main" Requires="a14">
-          <p:sp>
-            <p:nvSpPr>
-              <p:cNvPr id="18" name="TextBox 17">
-                <a:extLst>
-                  <a:ext uri="{FF2B5EF4-FFF2-40B4-BE49-F238E27FC236}">
-                    <a16:creationId xmlns:a16="http://schemas.microsoft.com/office/drawing/2014/main" id="{8AF0692F-35FA-4462-B29D-5201F5743EC3}"/>
-                  </a:ext>
-                </a:extLst>
-              </p:cNvPr>
-              <p:cNvSpPr txBox="1"/>
-              <p:nvPr/>
-            </p:nvSpPr>
-            <p:spPr>
-              <a:xfrm>
-                <a:off x="8111059" y="1772957"/>
-                <a:ext cx="6358919" cy="382156"/>
-              </a:xfrm>
-              <a:prstGeom prst="rect">
-                <a:avLst/>
-              </a:prstGeom>
-              <a:noFill/>
-            </p:spPr>
-            <p:txBody>
-              <a:bodyPr wrap="square" rtlCol="0">
-                <a:spAutoFit/>
-              </a:bodyPr>
-              <a:lstStyle/>
-              <a:p>
-                <a:pPr/>
-                <a14:m>
-                  <m:oMathPara xmlns:m="http://schemas.openxmlformats.org/officeDocument/2006/math">
-                    <m:oMathParaPr>
-                      <m:jc m:val="left"/>
-                    </m:oMathParaPr>
-                    <m:oMath xmlns:m="http://schemas.openxmlformats.org/officeDocument/2006/math">
-                      <m:sSub>
-                        <m:sSubPr>
-                          <m:ctrlPr>
-                            <a:rPr lang="en-US" b="0" i="1" smtClean="0">
-                              <a:latin typeface="Cambria Math" panose="02040503050406030204" pitchFamily="18" charset="0"/>
-                            </a:rPr>
-                          </m:ctrlPr>
-                        </m:sSubPr>
-                        <m:e>
-                          <m:r>
-                            <a:rPr lang="en-US" b="0" i="1" smtClean="0">
-                              <a:latin typeface="Cambria Math" panose="02040503050406030204" pitchFamily="18" charset="0"/>
-                            </a:rPr>
-                            <m:t>𝑇</m:t>
-                          </m:r>
-                        </m:e>
-                        <m:sub>
-                          <m:r>
-                            <a:rPr lang="en-US" b="0" i="1" smtClean="0">
-                              <a:latin typeface="Cambria Math" panose="02040503050406030204" pitchFamily="18" charset="0"/>
-                            </a:rPr>
-                            <m:t>𝑚</m:t>
-                          </m:r>
-                          <m:r>
-                            <a:rPr lang="en-US" b="0" i="1" smtClean="0">
-                              <a:latin typeface="Cambria Math" panose="02040503050406030204" pitchFamily="18" charset="0"/>
-                            </a:rPr>
-                            <m:t>15</m:t>
-                          </m:r>
-                        </m:sub>
-                      </m:sSub>
-                      <m:r>
-                        <a:rPr lang="en-US" b="0" i="1" smtClean="0">
-                          <a:latin typeface="Cambria Math" panose="02040503050406030204" pitchFamily="18" charset="0"/>
-                        </a:rPr>
-                        <m:t>=</m:t>
-                      </m:r>
-                      <m:sSub>
-                        <m:sSubPr>
-                          <m:ctrlPr>
-                            <a:rPr lang="en-US" b="0" i="1" smtClean="0">
-                              <a:latin typeface="Cambria Math" panose="02040503050406030204" pitchFamily="18" charset="0"/>
-                            </a:rPr>
-                          </m:ctrlPr>
-                        </m:sSubPr>
-                        <m:e>
-                          <m:r>
-                            <a:rPr lang="en-US" b="0" i="1" smtClean="0">
-                              <a:latin typeface="Cambria Math" panose="02040503050406030204" pitchFamily="18" charset="0"/>
-                            </a:rPr>
-                            <m:t>𝑆</m:t>
-                          </m:r>
-                        </m:e>
-                        <m:sub>
-                          <m:r>
-                            <a:rPr lang="en-US" b="0" i="1" smtClean="0">
-                              <a:latin typeface="Cambria Math" panose="02040503050406030204" pitchFamily="18" charset="0"/>
-                            </a:rPr>
-                            <m:t>𝑟𝑠𝑡</m:t>
-                          </m:r>
-                        </m:sub>
-                      </m:sSub>
-                      <m:sSub>
-                        <m:sSubPr>
-                          <m:ctrlPr>
-                            <a:rPr lang="en-US" b="0" i="1" smtClean="0">
-                              <a:latin typeface="Cambria Math" panose="02040503050406030204" pitchFamily="18" charset="0"/>
-                            </a:rPr>
-                          </m:ctrlPr>
-                        </m:sSubPr>
-                        <m:e>
-                          <m:r>
-                            <a:rPr lang="en-US" b="0" i="1" smtClean="0">
-                              <a:latin typeface="Cambria Math" panose="02040503050406030204" pitchFamily="18" charset="0"/>
-                            </a:rPr>
-                            <m:t>𝑝</m:t>
-                          </m:r>
-                        </m:e>
-                        <m:sub>
-                          <m:r>
-                            <a:rPr lang="en-US" b="0" i="1" smtClean="0">
-                              <a:latin typeface="Cambria Math" panose="02040503050406030204" pitchFamily="18" charset="0"/>
-                            </a:rPr>
-                            <m:t>𝑖</m:t>
-                          </m:r>
-                          <m:r>
-                            <a:rPr lang="en-US" b="0" i="1" smtClean="0">
-                              <a:latin typeface="Cambria Math" panose="02040503050406030204" pitchFamily="18" charset="0"/>
-                            </a:rPr>
-                            <m:t>7</m:t>
-                          </m:r>
-                        </m:sub>
-                      </m:sSub>
-                      <m:r>
-                        <a:rPr lang="en-US" b="0" i="1" smtClean="0">
-                          <a:latin typeface="Cambria Math" panose="02040503050406030204" pitchFamily="18" charset="0"/>
-                        </a:rPr>
-                        <m:t>𝑓</m:t>
-                      </m:r>
-                      <m:r>
-                        <a:rPr lang="en-US" b="0" i="1" smtClean="0">
-                          <a:latin typeface="Cambria Math" panose="02040503050406030204" pitchFamily="18" charset="0"/>
-                        </a:rPr>
-                        <m:t>(</m:t>
-                      </m:r>
-                      <m:acc>
-                        <m:accPr>
-                          <m:chr m:val="̇"/>
-                          <m:ctrlPr>
-                            <a:rPr lang="en-US" b="0" i="1" smtClean="0">
-                              <a:latin typeface="Cambria Math" panose="02040503050406030204" pitchFamily="18" charset="0"/>
-                            </a:rPr>
-                          </m:ctrlPr>
-                        </m:accPr>
-                        <m:e>
-                          <m:sSub>
-                            <m:sSubPr>
-                              <m:ctrlPr>
-                                <a:rPr lang="en-US" b="0" i="1" smtClean="0">
-                                  <a:latin typeface="Cambria Math" panose="02040503050406030204" pitchFamily="18" charset="0"/>
-                                </a:rPr>
-                              </m:ctrlPr>
-                            </m:sSubPr>
-                            <m:e>
-                              <m:r>
-                                <a:rPr lang="en-US" b="0" i="1" smtClean="0">
-                                  <a:latin typeface="Cambria Math" panose="02040503050406030204" pitchFamily="18" charset="0"/>
-                                </a:rPr>
-                                <m:t>𝜃</m:t>
-                              </m:r>
-                            </m:e>
-                            <m:sub>
-                              <m:r>
-                                <a:rPr lang="en-US" b="0" i="1" smtClean="0">
-                                  <a:latin typeface="Cambria Math" panose="02040503050406030204" pitchFamily="18" charset="0"/>
-                                </a:rPr>
-                                <m:t>7</m:t>
-                              </m:r>
-                            </m:sub>
-                          </m:sSub>
-                        </m:e>
-                      </m:acc>
-                      <m:r>
-                        <a:rPr lang="en-US" b="0" i="1" smtClean="0">
-                          <a:latin typeface="Cambria Math" panose="02040503050406030204" pitchFamily="18" charset="0"/>
-                        </a:rPr>
-                        <m:t>−</m:t>
-                      </m:r>
-                      <m:acc>
-                        <m:accPr>
-                          <m:chr m:val="̇"/>
-                          <m:ctrlPr>
-                            <a:rPr lang="en-US" b="0" i="1" smtClean="0">
-                              <a:latin typeface="Cambria Math" panose="02040503050406030204" pitchFamily="18" charset="0"/>
-                            </a:rPr>
-                          </m:ctrlPr>
-                        </m:accPr>
-                        <m:e>
-                          <m:sSub>
-                            <m:sSubPr>
-                              <m:ctrlPr>
-                                <a:rPr lang="en-US" b="0" i="1" smtClean="0">
-                                  <a:latin typeface="Cambria Math" panose="02040503050406030204" pitchFamily="18" charset="0"/>
-                                </a:rPr>
-                              </m:ctrlPr>
-                            </m:sSubPr>
-                            <m:e>
-                              <m:r>
-                                <a:rPr lang="en-US" b="0" i="1" smtClean="0">
-                                  <a:latin typeface="Cambria Math" panose="02040503050406030204" pitchFamily="18" charset="0"/>
-                                </a:rPr>
-                                <m:t>𝜃</m:t>
-                              </m:r>
-                            </m:e>
-                            <m:sub>
-                              <m:r>
-                                <a:rPr lang="en-US" b="0" i="1" smtClean="0">
-                                  <a:latin typeface="Cambria Math" panose="02040503050406030204" pitchFamily="18" charset="0"/>
-                                </a:rPr>
-                                <m:t>5</m:t>
-                              </m:r>
-                            </m:sub>
-                          </m:sSub>
-                        </m:e>
-                      </m:acc>
-                      <m:r>
-                        <a:rPr lang="en-US" b="0" i="1" smtClean="0">
-                          <a:latin typeface="Cambria Math" panose="02040503050406030204" pitchFamily="18" charset="0"/>
-                        </a:rPr>
-                        <m:t>)</m:t>
-                      </m:r>
-                    </m:oMath>
-                  </m:oMathPara>
-                </a14:m>
-                <a:endParaRPr lang="en-US" dirty="0"/>
-              </a:p>
-            </p:txBody>
-          </p:sp>
-        </mc:Choice>
-        <mc:Fallback>
-          <p:sp>
-            <p:nvSpPr>
-              <p:cNvPr id="18" name="TextBox 17">
-                <a:extLst>
-                  <a:ext uri="{FF2B5EF4-FFF2-40B4-BE49-F238E27FC236}">
-                    <a16:creationId xmlns:a16="http://schemas.microsoft.com/office/drawing/2014/main" id="{8AF0692F-35FA-4462-B29D-5201F5743EC3}"/>
-                  </a:ext>
-                </a:extLst>
-              </p:cNvPr>
-              <p:cNvSpPr txBox="1">
-                <a:spLocks noRot="1" noChangeAspect="1" noMove="1" noResize="1" noEditPoints="1" noAdjustHandles="1" noChangeArrowheads="1" noChangeShapeType="1" noTextEdit="1"/>
-              </p:cNvSpPr>
-              <p:nvPr/>
-            </p:nvSpPr>
-            <p:spPr>
-              <a:xfrm>
-                <a:off x="8111059" y="1772957"/>
-                <a:ext cx="6358919" cy="382156"/>
-              </a:xfrm>
-              <a:prstGeom prst="rect">
-                <a:avLst/>
-              </a:prstGeom>
-              <a:blipFill>
-                <a:blip r:embed="rId9"/>
-                <a:stretch>
-                  <a:fillRect b="-12698"/>
-                </a:stretch>
-              </a:blipFill>
-            </p:spPr>
-            <p:txBody>
-              <a:bodyPr/>
-              <a:lstStyle/>
-              <a:p>
-                <a:r>
-                  <a:rPr lang="en-US">
-                    <a:noFill/>
-                  </a:rPr>
-                  <a:t> </a:t>
-                </a:r>
-              </a:p>
-            </p:txBody>
-          </p:sp>
-        </mc:Fallback>
-      </mc:AlternateContent>
-      <mc:AlternateContent xmlns:mc="http://schemas.openxmlformats.org/markup-compatibility/2006">
-        <mc:Choice xmlns:a14="http://schemas.microsoft.com/office/drawing/2010/main" Requires="a14">
-          <p:sp>
-            <p:nvSpPr>
-              <p:cNvPr id="19" name="TextBox 18">
-                <a:extLst>
-                  <a:ext uri="{FF2B5EF4-FFF2-40B4-BE49-F238E27FC236}">
-                    <a16:creationId xmlns:a16="http://schemas.microsoft.com/office/drawing/2014/main" id="{BB712C84-7BCB-410F-9202-3D44983F46CD}"/>
-                  </a:ext>
-                </a:extLst>
-              </p:cNvPr>
-              <p:cNvSpPr txBox="1"/>
-              <p:nvPr/>
-            </p:nvSpPr>
-            <p:spPr>
-              <a:xfrm>
-                <a:off x="8111059" y="2190052"/>
-                <a:ext cx="6358919" cy="382156"/>
-              </a:xfrm>
-              <a:prstGeom prst="rect">
-                <a:avLst/>
-              </a:prstGeom>
-              <a:noFill/>
-            </p:spPr>
-            <p:txBody>
-              <a:bodyPr wrap="square" rtlCol="0">
-                <a:spAutoFit/>
-              </a:bodyPr>
-              <a:lstStyle/>
-              <a:p>
-                <a:pPr/>
-                <a14:m>
-                  <m:oMathPara xmlns:m="http://schemas.openxmlformats.org/officeDocument/2006/math">
-                    <m:oMathParaPr>
-                      <m:jc m:val="left"/>
-                    </m:oMathParaPr>
-                    <m:oMath xmlns:m="http://schemas.openxmlformats.org/officeDocument/2006/math">
-                      <m:sSub>
-                        <m:sSubPr>
-                          <m:ctrlPr>
-                            <a:rPr lang="en-US" b="0" i="1" smtClean="0">
-                              <a:latin typeface="Cambria Math" panose="02040503050406030204" pitchFamily="18" charset="0"/>
-                            </a:rPr>
-                          </m:ctrlPr>
-                        </m:sSubPr>
-                        <m:e>
-                          <m:r>
-                            <a:rPr lang="en-US" b="0" i="1" smtClean="0">
-                              <a:latin typeface="Cambria Math" panose="02040503050406030204" pitchFamily="18" charset="0"/>
-                            </a:rPr>
-                            <m:t>𝑇</m:t>
-                          </m:r>
-                        </m:e>
-                        <m:sub>
-                          <m:r>
-                            <a:rPr lang="en-US" b="0" i="1" smtClean="0">
-                              <a:latin typeface="Cambria Math" panose="02040503050406030204" pitchFamily="18" charset="0"/>
-                            </a:rPr>
-                            <m:t>𝑚</m:t>
-                          </m:r>
-                          <m:r>
-                            <a:rPr lang="en-US" b="0" i="1" smtClean="0">
-                              <a:latin typeface="Cambria Math" panose="02040503050406030204" pitchFamily="18" charset="0"/>
-                            </a:rPr>
-                            <m:t>15</m:t>
-                          </m:r>
-                        </m:sub>
-                      </m:sSub>
-                      <m:r>
-                        <a:rPr lang="en-US" b="0" i="1" smtClean="0">
-                          <a:latin typeface="Cambria Math" panose="02040503050406030204" pitchFamily="18" charset="0"/>
-                        </a:rPr>
-                        <m:t>=</m:t>
-                      </m:r>
-                      <m:sSub>
-                        <m:sSubPr>
-                          <m:ctrlPr>
-                            <a:rPr lang="en-US" b="0" i="1" smtClean="0">
-                              <a:latin typeface="Cambria Math" panose="02040503050406030204" pitchFamily="18" charset="0"/>
-                            </a:rPr>
-                          </m:ctrlPr>
-                        </m:sSubPr>
-                        <m:e>
-                          <m:r>
-                            <a:rPr lang="en-US" b="0" i="1" smtClean="0">
-                              <a:latin typeface="Cambria Math" panose="02040503050406030204" pitchFamily="18" charset="0"/>
-                            </a:rPr>
-                            <m:t>𝑆</m:t>
-                          </m:r>
-                        </m:e>
-                        <m:sub>
-                          <m:r>
-                            <a:rPr lang="en-US" b="0" i="1" smtClean="0">
-                              <a:latin typeface="Cambria Math" panose="02040503050406030204" pitchFamily="18" charset="0"/>
-                            </a:rPr>
-                            <m:t>𝑟𝑠𝑡</m:t>
-                          </m:r>
-                        </m:sub>
-                      </m:sSub>
-                      <m:sSub>
-                        <m:sSubPr>
-                          <m:ctrlPr>
-                            <a:rPr lang="en-US" b="0" i="1" smtClean="0">
-                              <a:latin typeface="Cambria Math" panose="02040503050406030204" pitchFamily="18" charset="0"/>
-                            </a:rPr>
-                          </m:ctrlPr>
-                        </m:sSubPr>
-                        <m:e>
-                          <m:r>
-                            <a:rPr lang="en-US" b="0" i="1" smtClean="0">
-                              <a:latin typeface="Cambria Math" panose="02040503050406030204" pitchFamily="18" charset="0"/>
-                            </a:rPr>
-                            <m:t>𝑝</m:t>
-                          </m:r>
-                        </m:e>
-                        <m:sub>
-                          <m:r>
-                            <a:rPr lang="en-US" b="0" i="1" smtClean="0">
-                              <a:latin typeface="Cambria Math" panose="02040503050406030204" pitchFamily="18" charset="0"/>
-                            </a:rPr>
-                            <m:t>𝑖</m:t>
-                          </m:r>
-                          <m:r>
-                            <a:rPr lang="en-US" b="0" i="1" smtClean="0">
-                              <a:latin typeface="Cambria Math" panose="02040503050406030204" pitchFamily="18" charset="0"/>
-                            </a:rPr>
-                            <m:t>7</m:t>
-                          </m:r>
-                        </m:sub>
-                      </m:sSub>
-                      <m:r>
-                        <a:rPr lang="en-US" b="0" i="1" smtClean="0">
-                          <a:latin typeface="Cambria Math" panose="02040503050406030204" pitchFamily="18" charset="0"/>
-                        </a:rPr>
-                        <m:t>𝑓</m:t>
-                      </m:r>
-                      <m:r>
-                        <a:rPr lang="en-US" b="0" i="1" smtClean="0">
-                          <a:latin typeface="Cambria Math" panose="02040503050406030204" pitchFamily="18" charset="0"/>
-                        </a:rPr>
-                        <m:t>(</m:t>
-                      </m:r>
-                      <m:acc>
-                        <m:accPr>
-                          <m:chr m:val="̇"/>
-                          <m:ctrlPr>
-                            <a:rPr lang="en-US" b="0" i="1" smtClean="0">
-                              <a:latin typeface="Cambria Math" panose="02040503050406030204" pitchFamily="18" charset="0"/>
-                            </a:rPr>
-                          </m:ctrlPr>
-                        </m:accPr>
-                        <m:e>
-                          <m:sSub>
-                            <m:sSubPr>
-                              <m:ctrlPr>
-                                <a:rPr lang="en-US" b="0" i="1" smtClean="0">
-                                  <a:latin typeface="Cambria Math" panose="02040503050406030204" pitchFamily="18" charset="0"/>
-                                </a:rPr>
-                              </m:ctrlPr>
-                            </m:sSubPr>
-                            <m:e>
-                              <m:r>
-                                <a:rPr lang="en-US" b="0" i="1" smtClean="0">
-                                  <a:latin typeface="Cambria Math" panose="02040503050406030204" pitchFamily="18" charset="0"/>
-                                </a:rPr>
-                                <m:t>𝜃</m:t>
-                              </m:r>
-                            </m:e>
-                            <m:sub>
-                              <m:r>
-                                <a:rPr lang="en-US" b="0" i="1" smtClean="0">
-                                  <a:latin typeface="Cambria Math" panose="02040503050406030204" pitchFamily="18" charset="0"/>
-                                </a:rPr>
-                                <m:t>7</m:t>
-                              </m:r>
-                            </m:sub>
-                          </m:sSub>
-                        </m:e>
-                      </m:acc>
-                      <m:r>
-                        <a:rPr lang="en-US" b="0" i="1" smtClean="0">
-                          <a:latin typeface="Cambria Math" panose="02040503050406030204" pitchFamily="18" charset="0"/>
-                        </a:rPr>
-                        <m:t>−</m:t>
-                      </m:r>
-                      <m:acc>
-                        <m:accPr>
-                          <m:chr m:val="̇"/>
-                          <m:ctrlPr>
-                            <a:rPr lang="en-US" b="0" i="1" smtClean="0">
-                              <a:latin typeface="Cambria Math" panose="02040503050406030204" pitchFamily="18" charset="0"/>
-                            </a:rPr>
-                          </m:ctrlPr>
-                        </m:accPr>
-                        <m:e>
-                          <m:sSub>
-                            <m:sSubPr>
-                              <m:ctrlPr>
-                                <a:rPr lang="en-US" b="0" i="1" smtClean="0">
-                                  <a:latin typeface="Cambria Math" panose="02040503050406030204" pitchFamily="18" charset="0"/>
-                                </a:rPr>
-                              </m:ctrlPr>
-                            </m:sSubPr>
-                            <m:e>
-                              <m:r>
-                                <a:rPr lang="en-US" b="0" i="1" smtClean="0">
-                                  <a:latin typeface="Cambria Math" panose="02040503050406030204" pitchFamily="18" charset="0"/>
-                                </a:rPr>
-                                <m:t>𝜃</m:t>
-                              </m:r>
-                            </m:e>
-                            <m:sub>
-                              <m:r>
-                                <a:rPr lang="en-US" b="0" i="1" smtClean="0">
-                                  <a:latin typeface="Cambria Math" panose="02040503050406030204" pitchFamily="18" charset="0"/>
-                                </a:rPr>
-                                <m:t>5</m:t>
-                              </m:r>
-                            </m:sub>
-                          </m:sSub>
-                        </m:e>
-                      </m:acc>
-                      <m:r>
-                        <a:rPr lang="en-US" b="0" i="1" smtClean="0">
-                          <a:latin typeface="Cambria Math" panose="02040503050406030204" pitchFamily="18" charset="0"/>
-                        </a:rPr>
-                        <m:t>)</m:t>
-                      </m:r>
-                    </m:oMath>
-                  </m:oMathPara>
-                </a14:m>
-                <a:endParaRPr lang="en-US" dirty="0"/>
-              </a:p>
-            </p:txBody>
-          </p:sp>
-        </mc:Choice>
-        <mc:Fallback>
-          <p:sp>
-            <p:nvSpPr>
-              <p:cNvPr id="19" name="TextBox 18">
-                <a:extLst>
-                  <a:ext uri="{FF2B5EF4-FFF2-40B4-BE49-F238E27FC236}">
-                    <a16:creationId xmlns:a16="http://schemas.microsoft.com/office/drawing/2014/main" id="{BB712C84-7BCB-410F-9202-3D44983F46CD}"/>
-                  </a:ext>
-                </a:extLst>
-              </p:cNvPr>
-              <p:cNvSpPr txBox="1">
-                <a:spLocks noRot="1" noChangeAspect="1" noMove="1" noResize="1" noEditPoints="1" noAdjustHandles="1" noChangeArrowheads="1" noChangeShapeType="1" noTextEdit="1"/>
-              </p:cNvSpPr>
-              <p:nvPr/>
-            </p:nvSpPr>
-            <p:spPr>
-              <a:xfrm>
-                <a:off x="8111059" y="2190052"/>
-                <a:ext cx="6358919" cy="382156"/>
-              </a:xfrm>
-              <a:prstGeom prst="rect">
-                <a:avLst/>
-              </a:prstGeom>
-              <a:blipFill>
-                <a:blip r:embed="rId10"/>
-                <a:stretch>
-                  <a:fillRect b="-14286"/>
-                </a:stretch>
-              </a:blipFill>
-            </p:spPr>
-            <p:txBody>
-              <a:bodyPr/>
-              <a:lstStyle/>
-              <a:p>
-                <a:r>
-                  <a:rPr lang="en-US">
-                    <a:noFill/>
-                  </a:rPr>
-                  <a:t> </a:t>
-                </a:r>
-              </a:p>
-            </p:txBody>
-          </p:sp>
-        </mc:Fallback>
-      </mc:AlternateContent>
-      <mc:AlternateContent xmlns:mc="http://schemas.openxmlformats.org/markup-compatibility/2006">
-        <mc:Choice xmlns:a14="http://schemas.microsoft.com/office/drawing/2010/main" Requires="a14">
-          <p:sp>
-            <p:nvSpPr>
-              <p:cNvPr id="20" name="TextBox 19">
-                <a:extLst>
-                  <a:ext uri="{FF2B5EF4-FFF2-40B4-BE49-F238E27FC236}">
-                    <a16:creationId xmlns:a16="http://schemas.microsoft.com/office/drawing/2014/main" id="{F455E91F-4584-435F-8D5B-987CC825A18A}"/>
-                  </a:ext>
-                </a:extLst>
-              </p:cNvPr>
-              <p:cNvSpPr txBox="1"/>
-              <p:nvPr/>
-            </p:nvSpPr>
-            <p:spPr>
-              <a:xfrm>
-                <a:off x="8111059" y="2623189"/>
-                <a:ext cx="6358919" cy="382156"/>
-              </a:xfrm>
-              <a:prstGeom prst="rect">
-                <a:avLst/>
-              </a:prstGeom>
-              <a:noFill/>
-            </p:spPr>
-            <p:txBody>
-              <a:bodyPr wrap="square" rtlCol="0">
-                <a:spAutoFit/>
-              </a:bodyPr>
-              <a:lstStyle/>
-              <a:p>
-                <a:pPr/>
-                <a14:m>
-                  <m:oMathPara xmlns:m="http://schemas.openxmlformats.org/officeDocument/2006/math">
-                    <m:oMathParaPr>
-                      <m:jc m:val="left"/>
-                    </m:oMathParaPr>
-                    <m:oMath xmlns:m="http://schemas.openxmlformats.org/officeDocument/2006/math">
-                      <m:sSub>
-                        <m:sSubPr>
-                          <m:ctrlPr>
-                            <a:rPr lang="en-US" b="0" i="1" smtClean="0">
-                              <a:latin typeface="Cambria Math" panose="02040503050406030204" pitchFamily="18" charset="0"/>
-                            </a:rPr>
-                          </m:ctrlPr>
-                        </m:sSubPr>
-                        <m:e>
-                          <m:r>
-                            <a:rPr lang="en-US" b="0" i="1" smtClean="0">
-                              <a:latin typeface="Cambria Math" panose="02040503050406030204" pitchFamily="18" charset="0"/>
-                            </a:rPr>
-                            <m:t>𝑇</m:t>
-                          </m:r>
-                        </m:e>
-                        <m:sub>
-                          <m:r>
-                            <a:rPr lang="en-US" b="0" i="1" smtClean="0">
-                              <a:latin typeface="Cambria Math" panose="02040503050406030204" pitchFamily="18" charset="0"/>
-                            </a:rPr>
-                            <m:t>𝑚</m:t>
-                          </m:r>
-                          <m:r>
-                            <a:rPr lang="en-US" b="0" i="1" smtClean="0">
-                              <a:latin typeface="Cambria Math" panose="02040503050406030204" pitchFamily="18" charset="0"/>
-                            </a:rPr>
-                            <m:t>15</m:t>
-                          </m:r>
-                        </m:sub>
-                      </m:sSub>
-                      <m:r>
-                        <a:rPr lang="en-US" b="0" i="1" smtClean="0">
-                          <a:latin typeface="Cambria Math" panose="02040503050406030204" pitchFamily="18" charset="0"/>
-                        </a:rPr>
-                        <m:t>=</m:t>
-                      </m:r>
-                      <m:sSub>
-                        <m:sSubPr>
-                          <m:ctrlPr>
-                            <a:rPr lang="en-US" b="0" i="1" smtClean="0">
-                              <a:latin typeface="Cambria Math" panose="02040503050406030204" pitchFamily="18" charset="0"/>
-                            </a:rPr>
-                          </m:ctrlPr>
-                        </m:sSubPr>
-                        <m:e>
-                          <m:r>
-                            <a:rPr lang="en-US" b="0" i="1" smtClean="0">
-                              <a:latin typeface="Cambria Math" panose="02040503050406030204" pitchFamily="18" charset="0"/>
-                            </a:rPr>
-                            <m:t>𝑆</m:t>
-                          </m:r>
-                        </m:e>
-                        <m:sub>
-                          <m:r>
-                            <a:rPr lang="en-US" b="0" i="1" smtClean="0">
-                              <a:latin typeface="Cambria Math" panose="02040503050406030204" pitchFamily="18" charset="0"/>
-                            </a:rPr>
-                            <m:t>𝑟𝑠𝑡</m:t>
-                          </m:r>
-                        </m:sub>
-                      </m:sSub>
-                      <m:sSub>
-                        <m:sSubPr>
-                          <m:ctrlPr>
-                            <a:rPr lang="en-US" b="0" i="1" smtClean="0">
-                              <a:latin typeface="Cambria Math" panose="02040503050406030204" pitchFamily="18" charset="0"/>
-                            </a:rPr>
-                          </m:ctrlPr>
-                        </m:sSubPr>
-                        <m:e>
-                          <m:r>
-                            <a:rPr lang="en-US" b="0" i="1" smtClean="0">
-                              <a:latin typeface="Cambria Math" panose="02040503050406030204" pitchFamily="18" charset="0"/>
-                            </a:rPr>
-                            <m:t>𝑝</m:t>
-                          </m:r>
-                        </m:e>
-                        <m:sub>
-                          <m:r>
-                            <a:rPr lang="en-US" b="0" i="1" smtClean="0">
-                              <a:latin typeface="Cambria Math" panose="02040503050406030204" pitchFamily="18" charset="0"/>
-                            </a:rPr>
-                            <m:t>𝑖</m:t>
-                          </m:r>
-                          <m:r>
-                            <a:rPr lang="en-US" b="0" i="1" smtClean="0">
-                              <a:latin typeface="Cambria Math" panose="02040503050406030204" pitchFamily="18" charset="0"/>
-                            </a:rPr>
-                            <m:t>7</m:t>
-                          </m:r>
-                        </m:sub>
-                      </m:sSub>
-                      <m:r>
-                        <a:rPr lang="en-US" b="0" i="1" smtClean="0">
-                          <a:latin typeface="Cambria Math" panose="02040503050406030204" pitchFamily="18" charset="0"/>
-                        </a:rPr>
-                        <m:t>𝑓</m:t>
-                      </m:r>
-                      <m:r>
-                        <a:rPr lang="en-US" b="0" i="1" smtClean="0">
-                          <a:latin typeface="Cambria Math" panose="02040503050406030204" pitchFamily="18" charset="0"/>
-                        </a:rPr>
-                        <m:t>(</m:t>
-                      </m:r>
-                      <m:acc>
-                        <m:accPr>
-                          <m:chr m:val="̇"/>
-                          <m:ctrlPr>
-                            <a:rPr lang="en-US" b="0" i="1" smtClean="0">
-                              <a:latin typeface="Cambria Math" panose="02040503050406030204" pitchFamily="18" charset="0"/>
-                            </a:rPr>
-                          </m:ctrlPr>
-                        </m:accPr>
-                        <m:e>
-                          <m:sSub>
-                            <m:sSubPr>
-                              <m:ctrlPr>
-                                <a:rPr lang="en-US" b="0" i="1" smtClean="0">
-                                  <a:latin typeface="Cambria Math" panose="02040503050406030204" pitchFamily="18" charset="0"/>
-                                </a:rPr>
-                              </m:ctrlPr>
-                            </m:sSubPr>
-                            <m:e>
-                              <m:r>
-                                <a:rPr lang="en-US" b="0" i="1" smtClean="0">
-                                  <a:latin typeface="Cambria Math" panose="02040503050406030204" pitchFamily="18" charset="0"/>
-                                </a:rPr>
-                                <m:t>𝜃</m:t>
-                              </m:r>
-                            </m:e>
-                            <m:sub>
-                              <m:r>
-                                <a:rPr lang="en-US" b="0" i="1" smtClean="0">
-                                  <a:latin typeface="Cambria Math" panose="02040503050406030204" pitchFamily="18" charset="0"/>
-                                </a:rPr>
-                                <m:t>7</m:t>
-                              </m:r>
-                            </m:sub>
-                          </m:sSub>
-                        </m:e>
-                      </m:acc>
-                      <m:r>
-                        <a:rPr lang="en-US" b="0" i="1" smtClean="0">
-                          <a:latin typeface="Cambria Math" panose="02040503050406030204" pitchFamily="18" charset="0"/>
-                        </a:rPr>
-                        <m:t>−</m:t>
-                      </m:r>
-                      <m:acc>
-                        <m:accPr>
-                          <m:chr m:val="̇"/>
-                          <m:ctrlPr>
-                            <a:rPr lang="en-US" b="0" i="1" smtClean="0">
-                              <a:latin typeface="Cambria Math" panose="02040503050406030204" pitchFamily="18" charset="0"/>
-                            </a:rPr>
-                          </m:ctrlPr>
-                        </m:accPr>
-                        <m:e>
-                          <m:sSub>
-                            <m:sSubPr>
-                              <m:ctrlPr>
-                                <a:rPr lang="en-US" b="0" i="1" smtClean="0">
-                                  <a:latin typeface="Cambria Math" panose="02040503050406030204" pitchFamily="18" charset="0"/>
-                                </a:rPr>
-                              </m:ctrlPr>
-                            </m:sSubPr>
-                            <m:e>
-                              <m:r>
-                                <a:rPr lang="en-US" b="0" i="1" smtClean="0">
-                                  <a:latin typeface="Cambria Math" panose="02040503050406030204" pitchFamily="18" charset="0"/>
-                                </a:rPr>
-                                <m:t>𝜃</m:t>
-                              </m:r>
-                            </m:e>
-                            <m:sub>
-                              <m:r>
-                                <a:rPr lang="en-US" b="0" i="1" smtClean="0">
-                                  <a:latin typeface="Cambria Math" panose="02040503050406030204" pitchFamily="18" charset="0"/>
-                                </a:rPr>
-                                <m:t>5</m:t>
-                              </m:r>
-                            </m:sub>
-                          </m:sSub>
-                        </m:e>
-                      </m:acc>
-                      <m:r>
-                        <a:rPr lang="en-US" b="0" i="1" smtClean="0">
-                          <a:latin typeface="Cambria Math" panose="02040503050406030204" pitchFamily="18" charset="0"/>
-                        </a:rPr>
-                        <m:t>)</m:t>
-                      </m:r>
-                    </m:oMath>
-                  </m:oMathPara>
-                </a14:m>
-                <a:endParaRPr lang="en-US" dirty="0"/>
-              </a:p>
-            </p:txBody>
-          </p:sp>
-        </mc:Choice>
-        <mc:Fallback>
-          <p:sp>
-            <p:nvSpPr>
-              <p:cNvPr id="20" name="TextBox 19">
-                <a:extLst>
-                  <a:ext uri="{FF2B5EF4-FFF2-40B4-BE49-F238E27FC236}">
-                    <a16:creationId xmlns:a16="http://schemas.microsoft.com/office/drawing/2014/main" id="{F455E91F-4584-435F-8D5B-987CC825A18A}"/>
-                  </a:ext>
-                </a:extLst>
-              </p:cNvPr>
-              <p:cNvSpPr txBox="1">
-                <a:spLocks noRot="1" noChangeAspect="1" noMove="1" noResize="1" noEditPoints="1" noAdjustHandles="1" noChangeArrowheads="1" noChangeShapeType="1" noTextEdit="1"/>
-              </p:cNvSpPr>
-              <p:nvPr/>
-            </p:nvSpPr>
-            <p:spPr>
-              <a:xfrm>
-                <a:off x="8111059" y="2623189"/>
-                <a:ext cx="6358919" cy="382156"/>
-              </a:xfrm>
-              <a:prstGeom prst="rect">
-                <a:avLst/>
-              </a:prstGeom>
-              <a:blipFill>
-                <a:blip r:embed="rId11"/>
-                <a:stretch>
-                  <a:fillRect b="-14286"/>
-                </a:stretch>
-              </a:blipFill>
-            </p:spPr>
-            <p:txBody>
-              <a:bodyPr/>
-              <a:lstStyle/>
-              <a:p>
-                <a:r>
-                  <a:rPr lang="en-US">
-                    <a:noFill/>
-                  </a:rPr>
-                  <a:t> </a:t>
-                </a:r>
-              </a:p>
-            </p:txBody>
-          </p:sp>
-        </mc:Fallback>
-      </mc:AlternateContent>
-      <mc:AlternateContent xmlns:mc="http://schemas.openxmlformats.org/markup-compatibility/2006">
-        <mc:Choice xmlns:a14="http://schemas.microsoft.com/office/drawing/2010/main" Requires="a14">
-          <p:sp>
-            <p:nvSpPr>
-              <p:cNvPr id="21" name="TextBox 20">
-                <a:extLst>
-                  <a:ext uri="{FF2B5EF4-FFF2-40B4-BE49-F238E27FC236}">
-                    <a16:creationId xmlns:a16="http://schemas.microsoft.com/office/drawing/2014/main" id="{0D8D4DD5-CD4C-4A88-B225-E2C32E49BF67}"/>
-                  </a:ext>
-                </a:extLst>
-              </p:cNvPr>
-              <p:cNvSpPr txBox="1"/>
-              <p:nvPr/>
-            </p:nvSpPr>
-            <p:spPr>
-              <a:xfrm>
-                <a:off x="8111059" y="3000179"/>
-                <a:ext cx="6358919" cy="382156"/>
-              </a:xfrm>
-              <a:prstGeom prst="rect">
-                <a:avLst/>
-              </a:prstGeom>
-              <a:noFill/>
-            </p:spPr>
-            <p:txBody>
-              <a:bodyPr wrap="square" rtlCol="0">
-                <a:spAutoFit/>
-              </a:bodyPr>
-              <a:lstStyle/>
-              <a:p>
-                <a:pPr/>
-                <a14:m>
-                  <m:oMathPara xmlns:m="http://schemas.openxmlformats.org/officeDocument/2006/math">
-                    <m:oMathParaPr>
-                      <m:jc m:val="left"/>
-                    </m:oMathParaPr>
-                    <m:oMath xmlns:m="http://schemas.openxmlformats.org/officeDocument/2006/math">
-                      <m:sSub>
-                        <m:sSubPr>
-                          <m:ctrlPr>
-                            <a:rPr lang="en-US" b="0" i="1" smtClean="0">
-                              <a:latin typeface="Cambria Math" panose="02040503050406030204" pitchFamily="18" charset="0"/>
-                            </a:rPr>
-                          </m:ctrlPr>
-                        </m:sSubPr>
-                        <m:e>
-                          <m:r>
-                            <a:rPr lang="en-US" b="0" i="1" smtClean="0">
-                              <a:latin typeface="Cambria Math" panose="02040503050406030204" pitchFamily="18" charset="0"/>
-                            </a:rPr>
-                            <m:t>𝑇</m:t>
-                          </m:r>
-                        </m:e>
-                        <m:sub>
-                          <m:r>
-                            <a:rPr lang="en-US" b="0" i="1" smtClean="0">
-                              <a:latin typeface="Cambria Math" panose="02040503050406030204" pitchFamily="18" charset="0"/>
-                            </a:rPr>
-                            <m:t>𝑚</m:t>
-                          </m:r>
-                          <m:r>
-                            <a:rPr lang="en-US" b="0" i="1" smtClean="0">
-                              <a:latin typeface="Cambria Math" panose="02040503050406030204" pitchFamily="18" charset="0"/>
-                            </a:rPr>
-                            <m:t>15</m:t>
-                          </m:r>
-                        </m:sub>
-                      </m:sSub>
-                      <m:r>
-                        <a:rPr lang="en-US" b="0" i="1" smtClean="0">
-                          <a:latin typeface="Cambria Math" panose="02040503050406030204" pitchFamily="18" charset="0"/>
-                        </a:rPr>
-                        <m:t>=0</m:t>
-                      </m:r>
-                    </m:oMath>
-                  </m:oMathPara>
-                </a14:m>
-                <a:endParaRPr lang="en-US" dirty="0"/>
-              </a:p>
-            </p:txBody>
-          </p:sp>
-        </mc:Choice>
-        <mc:Fallback>
-          <p:sp>
-            <p:nvSpPr>
-              <p:cNvPr id="21" name="TextBox 20">
-                <a:extLst>
-                  <a:ext uri="{FF2B5EF4-FFF2-40B4-BE49-F238E27FC236}">
-                    <a16:creationId xmlns:a16="http://schemas.microsoft.com/office/drawing/2014/main" id="{0D8D4DD5-CD4C-4A88-B225-E2C32E49BF67}"/>
-                  </a:ext>
-                </a:extLst>
-              </p:cNvPr>
-              <p:cNvSpPr txBox="1">
-                <a:spLocks noRot="1" noChangeAspect="1" noMove="1" noResize="1" noEditPoints="1" noAdjustHandles="1" noChangeArrowheads="1" noChangeShapeType="1" noTextEdit="1"/>
-              </p:cNvSpPr>
-              <p:nvPr/>
-            </p:nvSpPr>
-            <p:spPr>
-              <a:xfrm>
-                <a:off x="8111059" y="3000179"/>
-                <a:ext cx="6358919" cy="382156"/>
-              </a:xfrm>
-              <a:prstGeom prst="rect">
-                <a:avLst/>
-              </a:prstGeom>
-              <a:blipFill>
-                <a:blip r:embed="rId12"/>
-                <a:stretch>
-                  <a:fillRect/>
-                </a:stretch>
-              </a:blipFill>
-            </p:spPr>
-            <p:txBody>
-              <a:bodyPr/>
-              <a:lstStyle/>
-              <a:p>
-                <a:r>
-                  <a:rPr lang="en-US">
-                    <a:noFill/>
-                  </a:rPr>
-                  <a:t> </a:t>
-                </a:r>
-              </a:p>
-            </p:txBody>
-          </p:sp>
-        </mc:Fallback>
-      </mc:AlternateContent>
-      <mc:AlternateContent xmlns:mc="http://schemas.openxmlformats.org/markup-compatibility/2006">
-        <mc:Choice xmlns:a14="http://schemas.microsoft.com/office/drawing/2010/main" Requires="a14">
-          <p:sp>
-            <p:nvSpPr>
-              <p:cNvPr id="22" name="TextBox 21">
-                <a:extLst>
-                  <a:ext uri="{FF2B5EF4-FFF2-40B4-BE49-F238E27FC236}">
-                    <a16:creationId xmlns:a16="http://schemas.microsoft.com/office/drawing/2014/main" id="{23B83191-C519-47D8-BD9B-DD1CC18DB361}"/>
-                  </a:ext>
-                </a:extLst>
-              </p:cNvPr>
-              <p:cNvSpPr txBox="1"/>
-              <p:nvPr/>
-            </p:nvSpPr>
-            <p:spPr>
-              <a:xfrm>
-                <a:off x="8111059" y="3345083"/>
-                <a:ext cx="6358919" cy="369332"/>
-              </a:xfrm>
-              <a:prstGeom prst="rect">
-                <a:avLst/>
-              </a:prstGeom>
-              <a:noFill/>
-            </p:spPr>
-            <p:txBody>
-              <a:bodyPr wrap="square" rtlCol="0">
-                <a:spAutoFit/>
-              </a:bodyPr>
-              <a:lstStyle/>
-              <a:p>
-                <a:pPr/>
-                <a14:m>
-                  <m:oMathPara xmlns:m="http://schemas.openxmlformats.org/officeDocument/2006/math">
-                    <m:oMathParaPr>
-                      <m:jc m:val="left"/>
-                    </m:oMathParaPr>
-                    <m:oMath xmlns:m="http://schemas.openxmlformats.org/officeDocument/2006/math">
-                      <m:sSub>
-                        <m:sSubPr>
-                          <m:ctrlPr>
-                            <a:rPr lang="en-US" b="0" i="1" smtClean="0">
-                              <a:latin typeface="Cambria Math" panose="02040503050406030204" pitchFamily="18" charset="0"/>
-                            </a:rPr>
-                          </m:ctrlPr>
-                        </m:sSubPr>
-                        <m:e>
-                          <m:r>
-                            <a:rPr lang="en-US" b="0" i="1" smtClean="0">
-                              <a:latin typeface="Cambria Math" panose="02040503050406030204" pitchFamily="18" charset="0"/>
-                            </a:rPr>
-                            <m:t>𝑇</m:t>
-                          </m:r>
-                        </m:e>
-                        <m:sub>
-                          <m:r>
-                            <a:rPr lang="en-US" b="0" i="1" smtClean="0">
-                              <a:latin typeface="Cambria Math" panose="02040503050406030204" pitchFamily="18" charset="0"/>
-                            </a:rPr>
-                            <m:t>𝑚</m:t>
-                          </m:r>
-                          <m:r>
-                            <a:rPr lang="en-US" b="0" i="1" smtClean="0">
-                              <a:latin typeface="Cambria Math" panose="02040503050406030204" pitchFamily="18" charset="0"/>
-                            </a:rPr>
-                            <m:t>15</m:t>
-                          </m:r>
-                        </m:sub>
-                      </m:sSub>
-                      <m:r>
-                        <a:rPr lang="en-US" b="0" i="1" smtClean="0">
-                          <a:latin typeface="Cambria Math" panose="02040503050406030204" pitchFamily="18" charset="0"/>
-                        </a:rPr>
-                        <m:t>=0</m:t>
-                      </m:r>
-                    </m:oMath>
-                  </m:oMathPara>
-                </a14:m>
-                <a:endParaRPr lang="en-US" dirty="0"/>
-              </a:p>
-            </p:txBody>
-          </p:sp>
-        </mc:Choice>
-        <mc:Fallback>
-          <p:sp>
-            <p:nvSpPr>
-              <p:cNvPr id="22" name="TextBox 21">
-                <a:extLst>
-                  <a:ext uri="{FF2B5EF4-FFF2-40B4-BE49-F238E27FC236}">
-                    <a16:creationId xmlns:a16="http://schemas.microsoft.com/office/drawing/2014/main" id="{23B83191-C519-47D8-BD9B-DD1CC18DB361}"/>
-                  </a:ext>
-                </a:extLst>
-              </p:cNvPr>
-              <p:cNvSpPr txBox="1">
-                <a:spLocks noRot="1" noChangeAspect="1" noMove="1" noResize="1" noEditPoints="1" noAdjustHandles="1" noChangeArrowheads="1" noChangeShapeType="1" noTextEdit="1"/>
-              </p:cNvSpPr>
-              <p:nvPr/>
-            </p:nvSpPr>
-            <p:spPr>
-              <a:xfrm>
-                <a:off x="8111059" y="3345083"/>
-                <a:ext cx="6358919" cy="369332"/>
-              </a:xfrm>
-              <a:prstGeom prst="rect">
-                <a:avLst/>
-              </a:prstGeom>
-              <a:blipFill>
-                <a:blip r:embed="rId13"/>
-                <a:stretch>
-                  <a:fillRect/>
-                </a:stretch>
-              </a:blipFill>
-            </p:spPr>
-            <p:txBody>
-              <a:bodyPr/>
-              <a:lstStyle/>
-              <a:p>
-                <a:r>
-                  <a:rPr lang="en-US">
-                    <a:noFill/>
-                  </a:rPr>
-                  <a:t> </a:t>
-                </a:r>
-              </a:p>
-            </p:txBody>
-          </p:sp>
-        </mc:Fallback>
-      </mc:AlternateContent>
-      <mc:AlternateContent xmlns:mc="http://schemas.openxmlformats.org/markup-compatibility/2006">
-        <mc:Choice xmlns:a14="http://schemas.microsoft.com/office/drawing/2010/main" Requires="a14">
-          <p:sp>
-            <p:nvSpPr>
-              <p:cNvPr id="23" name="TextBox 22">
-                <a:extLst>
-                  <a:ext uri="{FF2B5EF4-FFF2-40B4-BE49-F238E27FC236}">
-                    <a16:creationId xmlns:a16="http://schemas.microsoft.com/office/drawing/2014/main" id="{6C9D5492-3591-4CA3-99FA-8FFBD7FC7162}"/>
-                  </a:ext>
-                </a:extLst>
-              </p:cNvPr>
-              <p:cNvSpPr txBox="1"/>
-              <p:nvPr/>
-            </p:nvSpPr>
-            <p:spPr>
-              <a:xfrm>
-                <a:off x="8111059" y="3689988"/>
-                <a:ext cx="6358919" cy="369332"/>
-              </a:xfrm>
-              <a:prstGeom prst="rect">
-                <a:avLst/>
-              </a:prstGeom>
-              <a:noFill/>
-            </p:spPr>
-            <p:txBody>
-              <a:bodyPr wrap="square" rtlCol="0">
-                <a:spAutoFit/>
-              </a:bodyPr>
-              <a:lstStyle/>
-              <a:p>
-                <a:pPr/>
-                <a14:m>
-                  <m:oMathPara xmlns:m="http://schemas.openxmlformats.org/officeDocument/2006/math">
-                    <m:oMathParaPr>
-                      <m:jc m:val="left"/>
-                    </m:oMathParaPr>
-                    <m:oMath xmlns:m="http://schemas.openxmlformats.org/officeDocument/2006/math">
-                      <m:sSub>
-                        <m:sSubPr>
-                          <m:ctrlPr>
-                            <a:rPr lang="en-US" b="0" i="1" smtClean="0">
-                              <a:latin typeface="Cambria Math" panose="02040503050406030204" pitchFamily="18" charset="0"/>
-                            </a:rPr>
-                          </m:ctrlPr>
-                        </m:sSubPr>
-                        <m:e>
-                          <m:r>
-                            <a:rPr lang="en-US" b="0" i="1" smtClean="0">
-                              <a:latin typeface="Cambria Math" panose="02040503050406030204" pitchFamily="18" charset="0"/>
-                            </a:rPr>
-                            <m:t>𝑇</m:t>
-                          </m:r>
-                        </m:e>
-                        <m:sub>
-                          <m:r>
-                            <a:rPr lang="en-US" b="0" i="1" smtClean="0">
-                              <a:latin typeface="Cambria Math" panose="02040503050406030204" pitchFamily="18" charset="0"/>
-                            </a:rPr>
-                            <m:t>𝑚</m:t>
-                          </m:r>
-                          <m:r>
-                            <a:rPr lang="en-US" b="0" i="1" smtClean="0">
-                              <a:latin typeface="Cambria Math" panose="02040503050406030204" pitchFamily="18" charset="0"/>
-                            </a:rPr>
-                            <m:t>15</m:t>
-                          </m:r>
-                        </m:sub>
-                      </m:sSub>
-                      <m:r>
-                        <a:rPr lang="en-US" b="0" i="1" smtClean="0">
-                          <a:latin typeface="Cambria Math" panose="02040503050406030204" pitchFamily="18" charset="0"/>
-                        </a:rPr>
-                        <m:t>=0</m:t>
-                      </m:r>
-                    </m:oMath>
-                  </m:oMathPara>
-                </a14:m>
-                <a:endParaRPr lang="en-US" dirty="0"/>
-              </a:p>
-            </p:txBody>
-          </p:sp>
-        </mc:Choice>
-        <mc:Fallback>
-          <p:sp>
-            <p:nvSpPr>
-              <p:cNvPr id="23" name="TextBox 22">
-                <a:extLst>
-                  <a:ext uri="{FF2B5EF4-FFF2-40B4-BE49-F238E27FC236}">
-                    <a16:creationId xmlns:a16="http://schemas.microsoft.com/office/drawing/2014/main" id="{6C9D5492-3591-4CA3-99FA-8FFBD7FC7162}"/>
-                  </a:ext>
-                </a:extLst>
-              </p:cNvPr>
-              <p:cNvSpPr txBox="1">
-                <a:spLocks noRot="1" noChangeAspect="1" noMove="1" noResize="1" noEditPoints="1" noAdjustHandles="1" noChangeArrowheads="1" noChangeShapeType="1" noTextEdit="1"/>
-              </p:cNvSpPr>
-              <p:nvPr/>
-            </p:nvSpPr>
-            <p:spPr>
-              <a:xfrm>
-                <a:off x="8111059" y="3689988"/>
-                <a:ext cx="6358919" cy="369332"/>
-              </a:xfrm>
-              <a:prstGeom prst="rect">
-                <a:avLst/>
-              </a:prstGeom>
-              <a:blipFill>
-                <a:blip r:embed="rId14"/>
-                <a:stretch>
-                  <a:fillRect/>
-                </a:stretch>
-              </a:blipFill>
-            </p:spPr>
-            <p:txBody>
-              <a:bodyPr/>
-              <a:lstStyle/>
-              <a:p>
-                <a:r>
-                  <a:rPr lang="en-US">
-                    <a:noFill/>
-                  </a:rPr>
-                  <a:t> </a:t>
-                </a:r>
-              </a:p>
-            </p:txBody>
-          </p:sp>
-        </mc:Fallback>
-      </mc:AlternateContent>
-      <p:sp>
-        <p:nvSpPr>
-          <p:cNvPr id="30" name="TextBox 29">
-            <a:extLst>
-              <a:ext uri="{FF2B5EF4-FFF2-40B4-BE49-F238E27FC236}">
-                <a16:creationId xmlns:a16="http://schemas.microsoft.com/office/drawing/2014/main" id="{40C6F975-A7F1-4763-B304-1886362377B6}"/>
-              </a:ext>
-            </a:extLst>
-          </p:cNvPr>
-          <p:cNvSpPr txBox="1"/>
-          <p:nvPr/>
-        </p:nvSpPr>
-        <p:spPr>
-          <a:xfrm>
-            <a:off x="8261683" y="1384602"/>
-            <a:ext cx="2438400" cy="369332"/>
-          </a:xfrm>
-          <a:prstGeom prst="rect">
-            <a:avLst/>
-          </a:prstGeom>
-          <a:noFill/>
-        </p:spPr>
-        <p:txBody>
-          <a:bodyPr wrap="square" rtlCol="0">
-            <a:spAutoFit/>
-          </a:bodyPr>
-          <a:lstStyle/>
-          <a:p>
-            <a:r>
-              <a:rPr lang="en-US" dirty="0"/>
-              <a:t>Turn off u(11)</a:t>
             </a:r>
           </a:p>
         </p:txBody>
